--- a/Presentaciones/clase7.pptx
+++ b/Presentaciones/clase7.pptx
@@ -8832,11 +8832,11 @@
     <dgm:cxn modelId="{1BFF253B-BE0A-4A50-9ACD-A6D9B9B08E9A}" srcId="{DFF685C4-494C-4DF9-9A92-20169D82E5C8}" destId="{3790850B-F50F-4021-8999-120A426D55A5}" srcOrd="1" destOrd="0" parTransId="{3CD41E62-CE25-4962-9DA7-54D3521DBBDA}" sibTransId="{36761F8F-DAAB-401E-8C09-A866122028EA}"/>
     <dgm:cxn modelId="{63B1FC01-7212-4685-A23C-933EC365BD3C}" type="presOf" srcId="{C69881B0-BB62-47A8-A46A-15352D3FB31E}" destId="{3013E8AE-F76C-4B8A-BDC0-EB486C4562D8}" srcOrd="0" destOrd="4" presId="urn:microsoft.com/office/officeart/2005/8/layout/hList1"/>
     <dgm:cxn modelId="{37E32A69-721B-44DA-9692-5EA511E41363}" srcId="{DB1E4B4B-1A3E-45CC-97DD-D7A7148C3248}" destId="{6C78E081-8D4D-415B-A05C-63CF3A204C03}" srcOrd="0" destOrd="0" parTransId="{44DC1FF6-0E5A-45CA-B2F8-D8A8089B6415}" sibTransId="{A3BCCE11-3475-4DD4-B6CF-5C1642F9D24E}"/>
+    <dgm:cxn modelId="{FF1003C0-7100-430C-9A2F-F3B772F97812}" srcId="{3790850B-F50F-4021-8999-120A426D55A5}" destId="{19F9DB16-2838-42DD-96DC-D220B96944F8}" srcOrd="2" destOrd="0" parTransId="{40A8D68A-690A-4987-8E72-B47D0C8A2E6F}" sibTransId="{D02CF70B-89C8-4EF7-A9F5-FE7BB9E1356F}"/>
+    <dgm:cxn modelId="{F55B0D2F-8610-461A-8DF9-965AF8ABF20C}" type="presOf" srcId="{49102A5D-BB91-4488-B48D-5C461FFCC163}" destId="{3013E8AE-F76C-4B8A-BDC0-EB486C4562D8}" srcOrd="0" destOrd="0" presId="urn:microsoft.com/office/officeart/2005/8/layout/hList1"/>
+    <dgm:cxn modelId="{4191D801-1A80-464B-824C-87B2EA2D3FB7}" srcId="{3790850B-F50F-4021-8999-120A426D55A5}" destId="{96829083-5EAE-4D23-83AE-4911E94A0DE9}" srcOrd="1" destOrd="0" parTransId="{C86DDDEF-75D8-4896-8D50-017F8210D389}" sibTransId="{FE84EA6F-FA91-4FB2-A7B2-EB1602FDC25B}"/>
+    <dgm:cxn modelId="{06E3E832-5D7A-401C-B943-06E49078D474}" srcId="{DB1E4B4B-1A3E-45CC-97DD-D7A7148C3248}" destId="{354D0285-CD65-4F5A-B3FE-957A58EFB53A}" srcOrd="1" destOrd="0" parTransId="{057D7653-DE9F-4225-8F28-5FDCA9E60C83}" sibTransId="{2A976B3E-8B97-4614-941F-A72F72B35AA4}"/>
     <dgm:cxn modelId="{5D9378F0-A3B4-4E3A-AA3A-47428FC17CB5}" srcId="{DB1E4B4B-1A3E-45CC-97DD-D7A7148C3248}" destId="{984FDF62-6645-4147-BD58-52B9F2D091AD}" srcOrd="5" destOrd="0" parTransId="{287E50C8-ADD9-4E95-9C35-99A5EEF3C015}" sibTransId="{2EDF01D3-C73C-42E8-914F-426DDDB6D70D}"/>
-    <dgm:cxn modelId="{06E3E832-5D7A-401C-B943-06E49078D474}" srcId="{DB1E4B4B-1A3E-45CC-97DD-D7A7148C3248}" destId="{354D0285-CD65-4F5A-B3FE-957A58EFB53A}" srcOrd="1" destOrd="0" parTransId="{057D7653-DE9F-4225-8F28-5FDCA9E60C83}" sibTransId="{2A976B3E-8B97-4614-941F-A72F72B35AA4}"/>
-    <dgm:cxn modelId="{4191D801-1A80-464B-824C-87B2EA2D3FB7}" srcId="{3790850B-F50F-4021-8999-120A426D55A5}" destId="{96829083-5EAE-4D23-83AE-4911E94A0DE9}" srcOrd="1" destOrd="0" parTransId="{C86DDDEF-75D8-4896-8D50-017F8210D389}" sibTransId="{FE84EA6F-FA91-4FB2-A7B2-EB1602FDC25B}"/>
-    <dgm:cxn modelId="{F55B0D2F-8610-461A-8DF9-965AF8ABF20C}" type="presOf" srcId="{49102A5D-BB91-4488-B48D-5C461FFCC163}" destId="{3013E8AE-F76C-4B8A-BDC0-EB486C4562D8}" srcOrd="0" destOrd="0" presId="urn:microsoft.com/office/officeart/2005/8/layout/hList1"/>
-    <dgm:cxn modelId="{FF1003C0-7100-430C-9A2F-F3B772F97812}" srcId="{3790850B-F50F-4021-8999-120A426D55A5}" destId="{19F9DB16-2838-42DD-96DC-D220B96944F8}" srcOrd="2" destOrd="0" parTransId="{40A8D68A-690A-4987-8E72-B47D0C8A2E6F}" sibTransId="{D02CF70B-89C8-4EF7-A9F5-FE7BB9E1356F}"/>
     <dgm:cxn modelId="{5AD820F0-E7D1-4954-B64F-A86A5FD1EC47}" srcId="{DB1E4B4B-1A3E-45CC-97DD-D7A7148C3248}" destId="{E4C574E1-1E45-4215-9BB1-6DF7DA31BE07}" srcOrd="4" destOrd="0" parTransId="{056AD63F-17E9-4439-B9CD-AA56BEE0A018}" sibTransId="{FA5EEB68-7E21-46A2-9183-CE943B1725A1}"/>
     <dgm:cxn modelId="{1EFF6A8B-4B75-400C-B5F6-D538DFB3330B}" srcId="{DFF685C4-494C-4DF9-9A92-20169D82E5C8}" destId="{DB1E4B4B-1A3E-45CC-97DD-D7A7148C3248}" srcOrd="0" destOrd="0" parTransId="{62FA901C-7BEF-429C-9A5E-77F0012D6D21}" sibTransId="{096BD445-EDC4-48D8-95E8-32A75FA6D4A4}"/>
     <dgm:cxn modelId="{F21F2106-FD53-478A-B1C7-5C8E23D0B829}" srcId="{3790850B-F50F-4021-8999-120A426D55A5}" destId="{C69881B0-BB62-47A8-A46A-15352D3FB31E}" srcOrd="4" destOrd="0" parTransId="{C3CFAE65-3757-4133-A9F4-1B78C03CD0A5}" sibTransId="{F0DD5CB0-4BBB-4A19-B1FB-E77EF40A1E4F}"/>
@@ -13126,21 +13126,21 @@
     <dgm:cxn modelId="{E267C63A-73EB-4EDF-8AA5-F6C62FD707BE}" srcId="{DB1E4B4B-1A3E-45CC-97DD-D7A7148C3248}" destId="{58D6446E-9FAF-4006-B3FC-1C52977FB759}" srcOrd="7" destOrd="0" parTransId="{4986F98B-DE34-44A9-9DB5-202618D9357E}" sibTransId="{51526279-F7B4-4FA4-B677-78E63632D75B}"/>
     <dgm:cxn modelId="{76F6D9D7-1703-40C1-95BC-1D61DFB034B0}" type="presOf" srcId="{046D0A2E-82BE-4FBE-A785-CDA3BD4EFF5F}" destId="{3C7F2744-8691-409F-B0F3-D1808840ED64}" srcOrd="0" destOrd="6" presId="urn:microsoft.com/office/officeart/2005/8/layout/hList1"/>
     <dgm:cxn modelId="{00322097-C12E-452E-831F-F101C1C8AD6B}" type="presOf" srcId="{C7008E17-013C-446B-8E90-7E8E5C78C163}" destId="{A1CAB5DF-0E99-4BEC-9C09-B1E3876F747D}" srcOrd="0" destOrd="0" presId="urn:microsoft.com/office/officeart/2005/8/layout/hList1"/>
+    <dgm:cxn modelId="{235AA314-6E82-4B8B-ACBC-B603FFB6FF12}" type="presOf" srcId="{DFF685C4-494C-4DF9-9A92-20169D82E5C8}" destId="{6D0F4F52-E8E3-490D-BF1A-E5D745803F6F}" srcOrd="0" destOrd="0" presId="urn:microsoft.com/office/officeart/2005/8/layout/hList1"/>
     <dgm:cxn modelId="{1D4EB240-7563-4B4B-85C2-E24D04E33140}" type="presOf" srcId="{9C4C3946-F8A6-42F2-AFF8-AB782CB05EEB}" destId="{B9BC7F27-FE5B-4F6E-B226-283CCA6322E5}" srcOrd="0" destOrd="5" presId="urn:microsoft.com/office/officeart/2005/8/layout/hList1"/>
-    <dgm:cxn modelId="{235AA314-6E82-4B8B-ACBC-B603FFB6FF12}" type="presOf" srcId="{DFF685C4-494C-4DF9-9A92-20169D82E5C8}" destId="{6D0F4F52-E8E3-490D-BF1A-E5D745803F6F}" srcOrd="0" destOrd="0" presId="urn:microsoft.com/office/officeart/2005/8/layout/hList1"/>
     <dgm:cxn modelId="{A96211A2-68C0-49EC-9947-CADB9E3EA04D}" type="presOf" srcId="{4CA7D79F-CAF3-440C-B997-993976C04B02}" destId="{B9BC7F27-FE5B-4F6E-B226-283CCA6322E5}" srcOrd="0" destOrd="2" presId="urn:microsoft.com/office/officeart/2005/8/layout/hList1"/>
+    <dgm:cxn modelId="{8BD08A61-EBEB-4EA1-8B43-061C87F990AB}" type="presOf" srcId="{53F12B93-8A47-4A85-B09A-FB0498D3ED70}" destId="{97BA57E8-55DB-426E-B9DB-AA82422A1AC7}" srcOrd="0" destOrd="1" presId="urn:microsoft.com/office/officeart/2005/8/layout/hList1"/>
     <dgm:cxn modelId="{9D458E34-BD61-4DAF-AE87-DA64BAC5DCE6}" type="presOf" srcId="{8FB6EC12-6825-43CE-8A0E-809F6556AEB9}" destId="{B9BC7F27-FE5B-4F6E-B226-283CCA6322E5}" srcOrd="0" destOrd="3" presId="urn:microsoft.com/office/officeart/2005/8/layout/hList1"/>
-    <dgm:cxn modelId="{8BD08A61-EBEB-4EA1-8B43-061C87F990AB}" type="presOf" srcId="{53F12B93-8A47-4A85-B09A-FB0498D3ED70}" destId="{97BA57E8-55DB-426E-B9DB-AA82422A1AC7}" srcOrd="0" destOrd="1" presId="urn:microsoft.com/office/officeart/2005/8/layout/hList1"/>
     <dgm:cxn modelId="{607C6F02-053A-4D3B-8F86-778BEA530821}" srcId="{3790850B-F50F-4021-8999-120A426D55A5}" destId="{49102A5D-BB91-4488-B48D-5C461FFCC163}" srcOrd="0" destOrd="0" parTransId="{83DAFC6C-CD3A-4BCC-A46C-F545A58287B6}" sibTransId="{E73E3423-0E54-4C40-92C8-214EA85F27E7}"/>
     <dgm:cxn modelId="{B0F4F3D6-5505-477F-8F92-56987A85034D}" srcId="{3790850B-F50F-4021-8999-120A426D55A5}" destId="{D43A66BF-56D6-4BAD-BEA7-EDBBE19DD34A}" srcOrd="5" destOrd="0" parTransId="{6A13A3B1-A1DC-4FCC-A83C-7B3EDE4BD5DC}" sibTransId="{A77D0956-B664-4EE3-936A-8A9517643B9F}"/>
     <dgm:cxn modelId="{D8341495-D96F-434F-B12C-66584AA8FD97}" type="presOf" srcId="{EE56EE71-C4F5-4F38-A433-4212B9F99BCC}" destId="{3013E8AE-F76C-4B8A-BDC0-EB486C4562D8}" srcOrd="0" destOrd="7" presId="urn:microsoft.com/office/officeart/2005/8/layout/hList1"/>
     <dgm:cxn modelId="{D3CB32F7-B709-4DF3-99A1-0C0EFF7C88C1}" type="presOf" srcId="{85E49D1C-6154-42B3-9CB8-A17FF7D95DD8}" destId="{B9BC7F27-FE5B-4F6E-B226-283CCA6322E5}" srcOrd="0" destOrd="1" presId="urn:microsoft.com/office/officeart/2005/8/layout/hList1"/>
     <dgm:cxn modelId="{C6F824F6-01A1-42B1-A3E2-A559D9DAE445}" type="presOf" srcId="{57F80A0C-9D6F-4829-8165-BC15CA326607}" destId="{97BA57E8-55DB-426E-B9DB-AA82422A1AC7}" srcOrd="0" destOrd="4" presId="urn:microsoft.com/office/officeart/2005/8/layout/hList1"/>
     <dgm:cxn modelId="{37E32A69-721B-44DA-9692-5EA511E41363}" srcId="{DB1E4B4B-1A3E-45CC-97DD-D7A7148C3248}" destId="{6C78E081-8D4D-415B-A05C-63CF3A204C03}" srcOrd="0" destOrd="0" parTransId="{44DC1FF6-0E5A-45CA-B2F8-D8A8089B6415}" sibTransId="{A3BCCE11-3475-4DD4-B6CF-5C1642F9D24E}"/>
-    <dgm:cxn modelId="{0E1D586F-E7CD-4212-AEEC-6D1853CDEE44}" srcId="{C7008E17-013C-446B-8E90-7E8E5C78C163}" destId="{046D0A2E-82BE-4FBE-A785-CDA3BD4EFF5F}" srcOrd="6" destOrd="0" parTransId="{A5F5A2A7-966C-46DD-A176-2996CFE8A9C8}" sibTransId="{67A2B30E-21C5-448F-9039-1BEF4357435A}"/>
     <dgm:cxn modelId="{F95DD080-1C05-4729-B3A0-0937DC9EB885}" type="presOf" srcId="{FAAB7A3E-4569-4CBF-811E-B0A49AA395BC}" destId="{3C7F2744-8691-409F-B0F3-D1808840ED64}" srcOrd="0" destOrd="7" presId="urn:microsoft.com/office/officeart/2005/8/layout/hList1"/>
     <dgm:cxn modelId="{2BB28F77-85DA-442A-94EC-5AD5994A7AFF}" srcId="{1C042857-97C1-4802-8B71-4C185B4E1856}" destId="{57F80A0C-9D6F-4829-8165-BC15CA326607}" srcOrd="4" destOrd="0" parTransId="{E991E3D3-708F-4E69-A4F4-62992D06AEF6}" sibTransId="{D53D7DE6-62D0-461F-83EC-BDE0A8C5F68B}"/>
     <dgm:cxn modelId="{F9AA6D44-7245-4C21-B57B-9B1CA62CA452}" type="presOf" srcId="{3BF30E5B-01CA-4FD5-90E7-5AE3A6EDF19F}" destId="{3013E8AE-F76C-4B8A-BDC0-EB486C4562D8}" srcOrd="0" destOrd="4" presId="urn:microsoft.com/office/officeart/2005/8/layout/hList1"/>
+    <dgm:cxn modelId="{0E1D586F-E7CD-4212-AEEC-6D1853CDEE44}" srcId="{C7008E17-013C-446B-8E90-7E8E5C78C163}" destId="{046D0A2E-82BE-4FBE-A785-CDA3BD4EFF5F}" srcOrd="6" destOrd="0" parTransId="{A5F5A2A7-966C-46DD-A176-2996CFE8A9C8}" sibTransId="{67A2B30E-21C5-448F-9039-1BEF4357435A}"/>
     <dgm:cxn modelId="{A7AB116A-83CE-4E68-8E1F-3AB5954B882D}" type="presOf" srcId="{D43A66BF-56D6-4BAD-BEA7-EDBBE19DD34A}" destId="{3013E8AE-F76C-4B8A-BDC0-EB486C4562D8}" srcOrd="0" destOrd="5" presId="urn:microsoft.com/office/officeart/2005/8/layout/hList1"/>
     <dgm:cxn modelId="{9A1944F4-9933-4265-A3B4-EFE56247201E}" srcId="{3790850B-F50F-4021-8999-120A426D55A5}" destId="{3BF30E5B-01CA-4FD5-90E7-5AE3A6EDF19F}" srcOrd="4" destOrd="0" parTransId="{B72578C1-C294-48EC-9E98-71A9336D5F38}" sibTransId="{2839891E-7F77-4488-8766-34CE854167CD}"/>
     <dgm:cxn modelId="{F0060776-BF6D-4126-A399-C15F1A2117C1}" type="presOf" srcId="{1C042857-97C1-4802-8B71-4C185B4E1856}" destId="{CBA7C0C3-275F-4B0B-834D-2C7A0547E57D}" srcOrd="0" destOrd="0" presId="urn:microsoft.com/office/officeart/2005/8/layout/hList1"/>
@@ -13162,8 +13162,8 @@
     <dgm:cxn modelId="{1951028C-B57D-48D4-845B-0433F53E30B2}" type="presOf" srcId="{58D6446E-9FAF-4006-B3FC-1C52977FB759}" destId="{B9BC7F27-FE5B-4F6E-B226-283CCA6322E5}" srcOrd="0" destOrd="7" presId="urn:microsoft.com/office/officeart/2005/8/layout/hList1"/>
     <dgm:cxn modelId="{27D9ED17-9E03-456F-87EF-A937F9879D7A}" srcId="{3790850B-F50F-4021-8999-120A426D55A5}" destId="{DAA9531C-73DC-4D1A-A12F-17DFCFEE0FA8}" srcOrd="2" destOrd="0" parTransId="{7A3C1405-B5A0-42B3-BCA4-F7A928421C04}" sibTransId="{4CE31CC6-94A1-4DFC-855A-7E7A5D05704A}"/>
     <dgm:cxn modelId="{FB76954B-348E-450B-A8F0-11BDC511B573}" srcId="{DB1E4B4B-1A3E-45CC-97DD-D7A7148C3248}" destId="{36F3A72B-6D86-4810-9318-2DEDA0445215}" srcOrd="6" destOrd="0" parTransId="{4A4BC14C-31DB-404F-AC3D-EBEDCCAAFB33}" sibTransId="{03BF84D8-F7A8-4349-B3A4-EE9BCCDE83FF}"/>
+    <dgm:cxn modelId="{F4E0445E-EB50-49A5-BE70-CA1657CF63DB}" type="presOf" srcId="{BEADD096-F44A-4D33-BCD6-E8CB8AFA9571}" destId="{3C7F2744-8691-409F-B0F3-D1808840ED64}" srcOrd="0" destOrd="4" presId="urn:microsoft.com/office/officeart/2005/8/layout/hList1"/>
     <dgm:cxn modelId="{9737DC3F-6369-4991-BEF9-2824D744EE7F}" type="presOf" srcId="{BB0FBC13-9564-48CD-844E-BECAF7A0D91E}" destId="{3C7F2744-8691-409F-B0F3-D1808840ED64}" srcOrd="0" destOrd="0" presId="urn:microsoft.com/office/officeart/2005/8/layout/hList1"/>
-    <dgm:cxn modelId="{F4E0445E-EB50-49A5-BE70-CA1657CF63DB}" type="presOf" srcId="{BEADD096-F44A-4D33-BCD6-E8CB8AFA9571}" destId="{3C7F2744-8691-409F-B0F3-D1808840ED64}" srcOrd="0" destOrd="4" presId="urn:microsoft.com/office/officeart/2005/8/layout/hList1"/>
     <dgm:cxn modelId="{ADA9815F-D6AC-4959-8462-008FE7A2CFA9}" srcId="{C7008E17-013C-446B-8E90-7E8E5C78C163}" destId="{BB0FBC13-9564-48CD-844E-BECAF7A0D91E}" srcOrd="0" destOrd="0" parTransId="{B9C80723-15AF-4EAE-9FA6-BE0D99575A2B}" sibTransId="{5C615364-8CE4-4084-97E6-55934F40EE5D}"/>
     <dgm:cxn modelId="{78F18BBF-B64B-45A5-ABBA-2E4CDF4A59BC}" type="presOf" srcId="{C7912C61-BE9E-4A37-A205-6AEC2FAC9415}" destId="{97BA57E8-55DB-426E-B9DB-AA82422A1AC7}" srcOrd="0" destOrd="0" presId="urn:microsoft.com/office/officeart/2005/8/layout/hList1"/>
     <dgm:cxn modelId="{C8E3B5EC-2124-4526-9B3C-7E3CA7FF0BD9}" type="presOf" srcId="{49102A5D-BB91-4488-B48D-5C461FFCC163}" destId="{3013E8AE-F76C-4B8A-BDC0-EB486C4562D8}" srcOrd="0" destOrd="0" presId="urn:microsoft.com/office/officeart/2005/8/layout/hList1"/>
@@ -13171,8 +13171,8 @@
     <dgm:cxn modelId="{C2FE51C5-5652-4403-89A9-22CC993AB522}" srcId="{C7008E17-013C-446B-8E90-7E8E5C78C163}" destId="{FF3B0296-9F5B-4B48-BB42-73093D87B31F}" srcOrd="3" destOrd="0" parTransId="{1F63CBCC-1C70-4544-AE69-6848B161DBD4}" sibTransId="{D6C1EE14-D01D-4BFC-A778-1AD03CE558D2}"/>
     <dgm:cxn modelId="{44B20BDD-6F32-46E8-85D7-323C8CC93915}" type="presOf" srcId="{188BA17A-B88C-4ED4-8593-920D9B0B0CBA}" destId="{3C7F2744-8691-409F-B0F3-D1808840ED64}" srcOrd="0" destOrd="5" presId="urn:microsoft.com/office/officeart/2005/8/layout/hList1"/>
     <dgm:cxn modelId="{98BB01DE-5E4C-45D3-9B02-3377BD5EE494}" srcId="{C7008E17-013C-446B-8E90-7E8E5C78C163}" destId="{FAAB7A3E-4569-4CBF-811E-B0A49AA395BC}" srcOrd="7" destOrd="0" parTransId="{79367188-CF4E-4332-AB85-2695E4391974}" sibTransId="{F03F7718-89DB-43AE-8E9D-50FC1697F979}"/>
+    <dgm:cxn modelId="{AD9C97AF-8FDA-48EF-A632-61BCF139A117}" type="presOf" srcId="{576140AC-8E15-435A-BF83-81B078131CAE}" destId="{3C7F2744-8691-409F-B0F3-D1808840ED64}" srcOrd="0" destOrd="2" presId="urn:microsoft.com/office/officeart/2005/8/layout/hList1"/>
     <dgm:cxn modelId="{A4D2D551-16C4-4452-95AF-E50CDE79A688}" type="presOf" srcId="{DB1E4B4B-1A3E-45CC-97DD-D7A7148C3248}" destId="{7AB965C8-37D9-4082-8C07-255381E88FC0}" srcOrd="0" destOrd="0" presId="urn:microsoft.com/office/officeart/2005/8/layout/hList1"/>
-    <dgm:cxn modelId="{AD9C97AF-8FDA-48EF-A632-61BCF139A117}" type="presOf" srcId="{576140AC-8E15-435A-BF83-81B078131CAE}" destId="{3C7F2744-8691-409F-B0F3-D1808840ED64}" srcOrd="0" destOrd="2" presId="urn:microsoft.com/office/officeart/2005/8/layout/hList1"/>
     <dgm:cxn modelId="{F0E9A367-2657-43DE-843B-4A98A8F5B25A}" srcId="{3790850B-F50F-4021-8999-120A426D55A5}" destId="{4D9FA8FC-764B-4775-8C7D-158DAEFED19C}" srcOrd="1" destOrd="0" parTransId="{74DD7C59-84CB-4FDF-BCC6-E868D590BF6D}" sibTransId="{BD90CF77-B0A9-428A-90C7-3495952F66BD}"/>
     <dgm:cxn modelId="{6BD6F68C-C9BF-444F-A53C-410D0DC6FD02}" srcId="{1C042857-97C1-4802-8B71-4C185B4E1856}" destId="{0840FD75-4F1B-43EA-8CCF-4E783D873875}" srcOrd="2" destOrd="0" parTransId="{964412CE-51A1-443D-91F6-9D74A76BE23A}" sibTransId="{73F1BBD2-055A-4B4C-90CA-04BAAC2144BB}"/>
     <dgm:cxn modelId="{8C937138-5F34-4E4C-979E-4255876050D0}" type="presOf" srcId="{6C78E081-8D4D-415B-A05C-63CF3A204C03}" destId="{B9BC7F27-FE5B-4F6E-B226-283CCA6322E5}" srcOrd="0" destOrd="0" presId="urn:microsoft.com/office/officeart/2005/8/layout/hList1"/>
@@ -13920,8 +13920,8 @@
     <dgm:cxn modelId="{6BE264F9-13AA-4628-A0FD-196E6C798665}" type="presOf" srcId="{C7912C61-BE9E-4A37-A205-6AEC2FAC9415}" destId="{97BA57E8-55DB-426E-B9DB-AA82422A1AC7}" srcOrd="0" destOrd="0" presId="urn:microsoft.com/office/officeart/2005/8/layout/hList1"/>
     <dgm:cxn modelId="{6A71B0F6-2B52-4701-83BF-DB9C32531668}" type="presOf" srcId="{C7008E17-013C-446B-8E90-7E8E5C78C163}" destId="{A1CAB5DF-0E99-4BEC-9C09-B1E3876F747D}" srcOrd="0" destOrd="0" presId="urn:microsoft.com/office/officeart/2005/8/layout/hList1"/>
     <dgm:cxn modelId="{1BFF253B-BE0A-4A50-9ACD-A6D9B9B08E9A}" srcId="{DFF685C4-494C-4DF9-9A92-20169D82E5C8}" destId="{3790850B-F50F-4021-8999-120A426D55A5}" srcOrd="1" destOrd="0" parTransId="{3CD41E62-CE25-4962-9DA7-54D3521DBBDA}" sibTransId="{36761F8F-DAAB-401E-8C09-A866122028EA}"/>
+    <dgm:cxn modelId="{A66A6C11-6FD2-411A-940D-BFC00477838D}" type="presOf" srcId="{3790850B-F50F-4021-8999-120A426D55A5}" destId="{60381480-67E4-4492-B04B-F33C234C9C0E}" srcOrd="0" destOrd="0" presId="urn:microsoft.com/office/officeart/2005/8/layout/hList1"/>
     <dgm:cxn modelId="{806B86EA-8CB1-42FF-AFC9-99D80CCFADDA}" type="presOf" srcId="{BB0FBC13-9564-48CD-844E-BECAF7A0D91E}" destId="{3C7F2744-8691-409F-B0F3-D1808840ED64}" srcOrd="0" destOrd="0" presId="urn:microsoft.com/office/officeart/2005/8/layout/hList1"/>
-    <dgm:cxn modelId="{A66A6C11-6FD2-411A-940D-BFC00477838D}" type="presOf" srcId="{3790850B-F50F-4021-8999-120A426D55A5}" destId="{60381480-67E4-4492-B04B-F33C234C9C0E}" srcOrd="0" destOrd="0" presId="urn:microsoft.com/office/officeart/2005/8/layout/hList1"/>
     <dgm:cxn modelId="{37E32A69-721B-44DA-9692-5EA511E41363}" srcId="{DB1E4B4B-1A3E-45CC-97DD-D7A7148C3248}" destId="{6C78E081-8D4D-415B-A05C-63CF3A204C03}" srcOrd="0" destOrd="0" parTransId="{44DC1FF6-0E5A-45CA-B2F8-D8A8089B6415}" sibTransId="{A3BCCE11-3475-4DD4-B6CF-5C1642F9D24E}"/>
     <dgm:cxn modelId="{1EFF6A8B-4B75-400C-B5F6-D538DFB3330B}" srcId="{DFF685C4-494C-4DF9-9A92-20169D82E5C8}" destId="{DB1E4B4B-1A3E-45CC-97DD-D7A7148C3248}" srcOrd="0" destOrd="0" parTransId="{62FA901C-7BEF-429C-9A5E-77F0012D6D21}" sibTransId="{096BD445-EDC4-48D8-95E8-32A75FA6D4A4}"/>
     <dgm:cxn modelId="{44337522-B2F2-47B7-8EDD-9344A739BBCA}" srcId="{3790850B-F50F-4021-8999-120A426D55A5}" destId="{1E002F18-49DE-415F-857A-791C23681715}" srcOrd="1" destOrd="0" parTransId="{23542E44-DD3A-4F5F-82C7-CC7135712ED2}" sibTransId="{0EC7A1FC-B8B1-4674-8F8F-BFF23E5CDBC8}"/>
@@ -14897,1212 +14897,6 @@
       <dsp:cNvGrpSpPr/>
     </dsp:nvGrpSpPr>
     <dsp:grpSpPr/>
-    <dsp:sp modelId="{7AB965C8-37D9-4082-8C07-255381E88FC0}">
-      <dsp:nvSpPr>
-        <dsp:cNvPr id="0" name=""/>
-        <dsp:cNvSpPr/>
-      </dsp:nvSpPr>
-      <dsp:spPr>
-        <a:xfrm>
-          <a:off x="4348" y="785791"/>
-          <a:ext cx="2614757" cy="1045902"/>
-        </a:xfrm>
-        <a:prstGeom prst="rect">
-          <a:avLst/>
-        </a:prstGeom>
-        <a:solidFill>
-          <a:schemeClr val="accent5">
-            <a:hueOff val="0"/>
-            <a:satOff val="0"/>
-            <a:lumOff val="0"/>
-            <a:alphaOff val="0"/>
-          </a:schemeClr>
-        </a:solidFill>
-        <a:ln w="12700" cap="flat" cmpd="sng" algn="ctr">
-          <a:solidFill>
-            <a:schemeClr val="accent5">
-              <a:hueOff val="0"/>
-              <a:satOff val="0"/>
-              <a:lumOff val="0"/>
-              <a:alphaOff val="0"/>
-            </a:schemeClr>
-          </a:solidFill>
-          <a:prstDash val="solid"/>
-          <a:miter lim="800000"/>
-        </a:ln>
-        <a:effectLst/>
-      </dsp:spPr>
-      <dsp:style>
-        <a:lnRef idx="2">
-          <a:scrgbClr r="0" g="0" b="0"/>
-        </a:lnRef>
-        <a:fillRef idx="1">
-          <a:scrgbClr r="0" g="0" b="0"/>
-        </a:fillRef>
-        <a:effectRef idx="0">
-          <a:scrgbClr r="0" g="0" b="0"/>
-        </a:effectRef>
-        <a:fontRef idx="minor">
-          <a:schemeClr val="lt1"/>
-        </a:fontRef>
-      </dsp:style>
-      <dsp:txBody>
-        <a:bodyPr spcFirstLastPara="0" vert="horz" wrap="square" lIns="170688" tIns="97536" rIns="170688" bIns="97536" numCol="1" spcCol="1270" anchor="ctr" anchorCtr="0">
-          <a:noAutofit/>
-        </a:bodyPr>
-        <a:lstStyle/>
-        <a:p>
-          <a:pPr lvl="0" algn="ctr" defTabSz="1066800">
-            <a:lnSpc>
-              <a:spcPct val="90000"/>
-            </a:lnSpc>
-            <a:spcBef>
-              <a:spcPct val="0"/>
-            </a:spcBef>
-            <a:spcAft>
-              <a:spcPct val="35000"/>
-            </a:spcAft>
-          </a:pPr>
-          <a:r>
-            <a:rPr lang="es-ES" sz="2400" kern="1200" dirty="0">
-              <a:latin typeface="HP Simplified Light" panose="020B0406020204020204" pitchFamily="34" charset="0"/>
-            </a:rPr>
-            <a:t>PELICULA</a:t>
-          </a:r>
-        </a:p>
-      </dsp:txBody>
-      <dsp:txXfrm>
-        <a:off x="4348" y="785791"/>
-        <a:ext cx="2614757" cy="1045902"/>
-      </dsp:txXfrm>
-    </dsp:sp>
-    <dsp:sp modelId="{B9BC7F27-FE5B-4F6E-B226-283CCA6322E5}">
-      <dsp:nvSpPr>
-        <dsp:cNvPr id="0" name=""/>
-        <dsp:cNvSpPr/>
-      </dsp:nvSpPr>
-      <dsp:spPr>
-        <a:xfrm>
-          <a:off x="4348" y="1831694"/>
-          <a:ext cx="2614757" cy="3610318"/>
-        </a:xfrm>
-        <a:prstGeom prst="rect">
-          <a:avLst/>
-        </a:prstGeom>
-        <a:solidFill>
-          <a:schemeClr val="accent5">
-            <a:tint val="40000"/>
-            <a:alpha val="90000"/>
-            <a:hueOff val="0"/>
-            <a:satOff val="0"/>
-            <a:lumOff val="0"/>
-            <a:alphaOff val="0"/>
-          </a:schemeClr>
-        </a:solidFill>
-        <a:ln w="12700" cap="flat" cmpd="sng" algn="ctr">
-          <a:solidFill>
-            <a:schemeClr val="accent5">
-              <a:tint val="40000"/>
-              <a:alpha val="90000"/>
-              <a:hueOff val="0"/>
-              <a:satOff val="0"/>
-              <a:lumOff val="0"/>
-              <a:alphaOff val="0"/>
-            </a:schemeClr>
-          </a:solidFill>
-          <a:prstDash val="solid"/>
-          <a:miter lim="800000"/>
-        </a:ln>
-        <a:effectLst/>
-      </dsp:spPr>
-      <dsp:style>
-        <a:lnRef idx="2">
-          <a:scrgbClr r="0" g="0" b="0"/>
-        </a:lnRef>
-        <a:fillRef idx="1">
-          <a:scrgbClr r="0" g="0" b="0"/>
-        </a:fillRef>
-        <a:effectRef idx="0">
-          <a:scrgbClr r="0" g="0" b="0"/>
-        </a:effectRef>
-        <a:fontRef idx="minor"/>
-      </dsp:style>
-      <dsp:txBody>
-        <a:bodyPr spcFirstLastPara="0" vert="horz" wrap="square" lIns="128016" tIns="128016" rIns="170688" bIns="192024" numCol="1" spcCol="1270" anchor="t" anchorCtr="0">
-          <a:noAutofit/>
-        </a:bodyPr>
-        <a:lstStyle/>
-        <a:p>
-          <a:pPr marL="228600" lvl="1" indent="-228600" algn="l" defTabSz="1066800">
-            <a:lnSpc>
-              <a:spcPct val="90000"/>
-            </a:lnSpc>
-            <a:spcBef>
-              <a:spcPct val="0"/>
-            </a:spcBef>
-            <a:spcAft>
-              <a:spcPct val="15000"/>
-            </a:spcAft>
-            <a:buChar char="••"/>
-          </a:pPr>
-          <a:r>
-            <a:rPr lang="es-ES" sz="2400" b="0" i="0" kern="1200" smtClean="0">
-              <a:latin typeface="HP Simplified Light" panose="020B0406020204020204" pitchFamily="34" charset="0"/>
-            </a:rPr>
-            <a:t>id</a:t>
-          </a:r>
-          <a:endParaRPr lang="es-ES" sz="2400" b="0" i="0" kern="1200" dirty="0">
-            <a:latin typeface="HP Simplified Light" panose="020B0406020204020204" pitchFamily="34" charset="0"/>
-          </a:endParaRPr>
-        </a:p>
-        <a:p>
-          <a:pPr marL="228600" lvl="1" indent="-228600" algn="l" defTabSz="1066800">
-            <a:lnSpc>
-              <a:spcPct val="90000"/>
-            </a:lnSpc>
-            <a:spcBef>
-              <a:spcPct val="0"/>
-            </a:spcBef>
-            <a:spcAft>
-              <a:spcPct val="15000"/>
-            </a:spcAft>
-            <a:buChar char="••"/>
-          </a:pPr>
-          <a:r>
-            <a:rPr lang="es-ES" sz="2400" b="0" i="0" kern="1200" smtClean="0">
-              <a:latin typeface="HP Simplified Light" panose="020B0406020204020204" pitchFamily="34" charset="0"/>
-            </a:rPr>
-            <a:t>titulo</a:t>
-          </a:r>
-          <a:endParaRPr lang="es-ES" sz="2400" b="0" i="0" kern="1200" dirty="0">
-            <a:latin typeface="HP Simplified Light" panose="020B0406020204020204" pitchFamily="34" charset="0"/>
-          </a:endParaRPr>
-        </a:p>
-        <a:p>
-          <a:pPr marL="228600" lvl="1" indent="-228600" algn="l" defTabSz="1066800">
-            <a:lnSpc>
-              <a:spcPct val="90000"/>
-            </a:lnSpc>
-            <a:spcBef>
-              <a:spcPct val="0"/>
-            </a:spcBef>
-            <a:spcAft>
-              <a:spcPct val="15000"/>
-            </a:spcAft>
-            <a:buChar char="••"/>
-          </a:pPr>
-          <a:r>
-            <a:rPr lang="es-ES" sz="2400" b="0" i="0" kern="1200" smtClean="0">
-              <a:latin typeface="HP Simplified Light" panose="020B0406020204020204" pitchFamily="34" charset="0"/>
-            </a:rPr>
-            <a:t>genero</a:t>
-          </a:r>
-          <a:endParaRPr lang="es-ES" sz="2400" b="0" i="0" kern="1200" dirty="0">
-            <a:latin typeface="HP Simplified Light" panose="020B0406020204020204" pitchFamily="34" charset="0"/>
-          </a:endParaRPr>
-        </a:p>
-        <a:p>
-          <a:pPr marL="228600" lvl="1" indent="-228600" algn="l" defTabSz="1066800">
-            <a:lnSpc>
-              <a:spcPct val="90000"/>
-            </a:lnSpc>
-            <a:spcBef>
-              <a:spcPct val="0"/>
-            </a:spcBef>
-            <a:spcAft>
-              <a:spcPct val="15000"/>
-            </a:spcAft>
-            <a:buChar char="••"/>
-          </a:pPr>
-          <a:r>
-            <a:rPr lang="es-ES" sz="2400" b="0" i="0" kern="1200" smtClean="0">
-              <a:latin typeface="HP Simplified Light" panose="020B0406020204020204" pitchFamily="34" charset="0"/>
-            </a:rPr>
-            <a:t>autor</a:t>
-          </a:r>
-          <a:endParaRPr lang="es-ES" sz="2400" b="0" i="0" kern="1200" dirty="0">
-            <a:latin typeface="HP Simplified Light" panose="020B0406020204020204" pitchFamily="34" charset="0"/>
-          </a:endParaRPr>
-        </a:p>
-        <a:p>
-          <a:pPr marL="228600" lvl="1" indent="-228600" algn="l" defTabSz="1066800">
-            <a:lnSpc>
-              <a:spcPct val="90000"/>
-            </a:lnSpc>
-            <a:spcBef>
-              <a:spcPct val="0"/>
-            </a:spcBef>
-            <a:spcAft>
-              <a:spcPct val="15000"/>
-            </a:spcAft>
-            <a:buChar char="••"/>
-          </a:pPr>
-          <a:r>
-            <a:rPr lang="es-ES" sz="2400" b="0" i="0" kern="1200" smtClean="0">
-              <a:latin typeface="HP Simplified Light" panose="020B0406020204020204" pitchFamily="34" charset="0"/>
-            </a:rPr>
-            <a:t>duracion</a:t>
-          </a:r>
-          <a:endParaRPr lang="es-ES" sz="2400" b="0" i="0" kern="1200" dirty="0">
-            <a:latin typeface="HP Simplified Light" panose="020B0406020204020204" pitchFamily="34" charset="0"/>
-          </a:endParaRPr>
-        </a:p>
-        <a:p>
-          <a:pPr marL="228600" lvl="1" indent="-228600" algn="l" defTabSz="1066800">
-            <a:lnSpc>
-              <a:spcPct val="90000"/>
-            </a:lnSpc>
-            <a:spcBef>
-              <a:spcPct val="0"/>
-            </a:spcBef>
-            <a:spcAft>
-              <a:spcPct val="15000"/>
-            </a:spcAft>
-            <a:buChar char="••"/>
-          </a:pPr>
-          <a:r>
-            <a:rPr lang="es-ES" sz="2400" b="0" i="0" kern="1200" smtClean="0">
-              <a:latin typeface="HP Simplified Light" panose="020B0406020204020204" pitchFamily="34" charset="0"/>
-            </a:rPr>
-            <a:t>año</a:t>
-          </a:r>
-          <a:endParaRPr lang="es-ES" sz="2400" b="0" i="0" kern="1200" dirty="0">
-            <a:latin typeface="HP Simplified Light" panose="020B0406020204020204" pitchFamily="34" charset="0"/>
-          </a:endParaRPr>
-        </a:p>
-        <a:p>
-          <a:pPr marL="228600" lvl="1" indent="-228600" algn="l" defTabSz="1066800">
-            <a:lnSpc>
-              <a:spcPct val="90000"/>
-            </a:lnSpc>
-            <a:spcBef>
-              <a:spcPct val="0"/>
-            </a:spcBef>
-            <a:spcAft>
-              <a:spcPct val="15000"/>
-            </a:spcAft>
-            <a:buChar char="••"/>
-          </a:pPr>
-          <a:r>
-            <a:rPr lang="es-ES" sz="2400" b="0" i="0" kern="1200" smtClean="0">
-              <a:latin typeface="HP Simplified Light" panose="020B0406020204020204" pitchFamily="34" charset="0"/>
-            </a:rPr>
-            <a:t>visto</a:t>
-          </a:r>
-          <a:endParaRPr lang="es-ES" sz="2400" b="0" i="0" kern="1200" dirty="0">
-            <a:latin typeface="HP Simplified Light" panose="020B0406020204020204" pitchFamily="34" charset="0"/>
-          </a:endParaRPr>
-        </a:p>
-        <a:p>
-          <a:pPr marL="228600" lvl="1" indent="-228600" algn="l" defTabSz="1066800">
-            <a:lnSpc>
-              <a:spcPct val="90000"/>
-            </a:lnSpc>
-            <a:spcBef>
-              <a:spcPct val="0"/>
-            </a:spcBef>
-            <a:spcAft>
-              <a:spcPct val="15000"/>
-            </a:spcAft>
-            <a:buChar char="••"/>
-          </a:pPr>
-          <a:r>
-            <a:rPr lang="es-ES" sz="2400" b="0" i="0" kern="1200" smtClean="0">
-              <a:latin typeface="HP Simplified Light" panose="020B0406020204020204" pitchFamily="34" charset="0"/>
-            </a:rPr>
-            <a:t>tiempoVisto</a:t>
-          </a:r>
-          <a:endParaRPr lang="es-ES" sz="2400" b="0" i="0" kern="1200" dirty="0">
-            <a:latin typeface="HP Simplified Light" panose="020B0406020204020204" pitchFamily="34" charset="0"/>
-          </a:endParaRPr>
-        </a:p>
-      </dsp:txBody>
-      <dsp:txXfrm>
-        <a:off x="4348" y="1831694"/>
-        <a:ext cx="2614757" cy="3610318"/>
-      </dsp:txXfrm>
-    </dsp:sp>
-    <dsp:sp modelId="{60381480-67E4-4492-B04B-F33C234C9C0E}">
-      <dsp:nvSpPr>
-        <dsp:cNvPr id="0" name=""/>
-        <dsp:cNvSpPr/>
-      </dsp:nvSpPr>
-      <dsp:spPr>
-        <a:xfrm>
-          <a:off x="2985171" y="785791"/>
-          <a:ext cx="2614757" cy="1045902"/>
-        </a:xfrm>
-        <a:prstGeom prst="rect">
-          <a:avLst/>
-        </a:prstGeom>
-        <a:solidFill>
-          <a:schemeClr val="accent5">
-            <a:hueOff val="-2451115"/>
-            <a:satOff val="-3409"/>
-            <a:lumOff val="-1307"/>
-            <a:alphaOff val="0"/>
-          </a:schemeClr>
-        </a:solidFill>
-        <a:ln w="12700" cap="flat" cmpd="sng" algn="ctr">
-          <a:solidFill>
-            <a:schemeClr val="accent5">
-              <a:hueOff val="-2451115"/>
-              <a:satOff val="-3409"/>
-              <a:lumOff val="-1307"/>
-              <a:alphaOff val="0"/>
-            </a:schemeClr>
-          </a:solidFill>
-          <a:prstDash val="solid"/>
-          <a:miter lim="800000"/>
-        </a:ln>
-        <a:effectLst/>
-      </dsp:spPr>
-      <dsp:style>
-        <a:lnRef idx="2">
-          <a:scrgbClr r="0" g="0" b="0"/>
-        </a:lnRef>
-        <a:fillRef idx="1">
-          <a:scrgbClr r="0" g="0" b="0"/>
-        </a:fillRef>
-        <a:effectRef idx="0">
-          <a:scrgbClr r="0" g="0" b="0"/>
-        </a:effectRef>
-        <a:fontRef idx="minor">
-          <a:schemeClr val="lt1"/>
-        </a:fontRef>
-      </dsp:style>
-      <dsp:txBody>
-        <a:bodyPr spcFirstLastPara="0" vert="horz" wrap="square" lIns="170688" tIns="97536" rIns="170688" bIns="97536" numCol="1" spcCol="1270" anchor="ctr" anchorCtr="0">
-          <a:noAutofit/>
-        </a:bodyPr>
-        <a:lstStyle/>
-        <a:p>
-          <a:pPr lvl="0" algn="ctr" defTabSz="1066800">
-            <a:lnSpc>
-              <a:spcPct val="90000"/>
-            </a:lnSpc>
-            <a:spcBef>
-              <a:spcPct val="0"/>
-            </a:spcBef>
-            <a:spcAft>
-              <a:spcPct val="35000"/>
-            </a:spcAft>
-          </a:pPr>
-          <a:r>
-            <a:rPr lang="es-ES" sz="2400" kern="1200" dirty="0">
-              <a:latin typeface="HP Simplified Light" panose="020B0406020204020204" pitchFamily="34" charset="0"/>
-            </a:rPr>
-            <a:t>SERIE</a:t>
-          </a:r>
-        </a:p>
-      </dsp:txBody>
-      <dsp:txXfrm>
-        <a:off x="2985171" y="785791"/>
-        <a:ext cx="2614757" cy="1045902"/>
-      </dsp:txXfrm>
-    </dsp:sp>
-    <dsp:sp modelId="{3013E8AE-F76C-4B8A-BDC0-EB486C4562D8}">
-      <dsp:nvSpPr>
-        <dsp:cNvPr id="0" name=""/>
-        <dsp:cNvSpPr/>
-      </dsp:nvSpPr>
-      <dsp:spPr>
-        <a:xfrm>
-          <a:off x="2985171" y="1831694"/>
-          <a:ext cx="2614757" cy="3610318"/>
-        </a:xfrm>
-        <a:prstGeom prst="rect">
-          <a:avLst/>
-        </a:prstGeom>
-        <a:solidFill>
-          <a:schemeClr val="accent5">
-            <a:tint val="40000"/>
-            <a:alpha val="90000"/>
-            <a:hueOff val="-2463918"/>
-            <a:satOff val="-4272"/>
-            <a:lumOff val="-430"/>
-            <a:alphaOff val="0"/>
-          </a:schemeClr>
-        </a:solidFill>
-        <a:ln w="12700" cap="flat" cmpd="sng" algn="ctr">
-          <a:solidFill>
-            <a:schemeClr val="accent5">
-              <a:tint val="40000"/>
-              <a:alpha val="90000"/>
-              <a:hueOff val="-2463918"/>
-              <a:satOff val="-4272"/>
-              <a:lumOff val="-430"/>
-              <a:alphaOff val="0"/>
-            </a:schemeClr>
-          </a:solidFill>
-          <a:prstDash val="solid"/>
-          <a:miter lim="800000"/>
-        </a:ln>
-        <a:effectLst/>
-      </dsp:spPr>
-      <dsp:style>
-        <a:lnRef idx="2">
-          <a:scrgbClr r="0" g="0" b="0"/>
-        </a:lnRef>
-        <a:fillRef idx="1">
-          <a:scrgbClr r="0" g="0" b="0"/>
-        </a:fillRef>
-        <a:effectRef idx="0">
-          <a:scrgbClr r="0" g="0" b="0"/>
-        </a:effectRef>
-        <a:fontRef idx="minor"/>
-      </dsp:style>
-      <dsp:txBody>
-        <a:bodyPr spcFirstLastPara="0" vert="horz" wrap="square" lIns="128016" tIns="128016" rIns="170688" bIns="192024" numCol="1" spcCol="1270" anchor="t" anchorCtr="0">
-          <a:noAutofit/>
-        </a:bodyPr>
-        <a:lstStyle/>
-        <a:p>
-          <a:pPr marL="228600" lvl="1" indent="-228600" algn="l" defTabSz="1066800">
-            <a:lnSpc>
-              <a:spcPct val="90000"/>
-            </a:lnSpc>
-            <a:spcBef>
-              <a:spcPct val="0"/>
-            </a:spcBef>
-            <a:spcAft>
-              <a:spcPct val="15000"/>
-            </a:spcAft>
-            <a:buChar char="••"/>
-          </a:pPr>
-          <a:r>
-            <a:rPr lang="es-ES" sz="2400" b="0" kern="1200" smtClean="0">
-              <a:latin typeface="HP Simplified Light" panose="020B0406020204020204" pitchFamily="34" charset="0"/>
-            </a:rPr>
-            <a:t>id</a:t>
-          </a:r>
-          <a:endParaRPr lang="es-ES" sz="2400" b="0" kern="1200">
-            <a:latin typeface="HP Simplified Light" panose="020B0406020204020204" pitchFamily="34" charset="0"/>
-          </a:endParaRPr>
-        </a:p>
-        <a:p>
-          <a:pPr marL="228600" lvl="1" indent="-228600" algn="l" defTabSz="1066800">
-            <a:lnSpc>
-              <a:spcPct val="90000"/>
-            </a:lnSpc>
-            <a:spcBef>
-              <a:spcPct val="0"/>
-            </a:spcBef>
-            <a:spcAft>
-              <a:spcPct val="15000"/>
-            </a:spcAft>
-            <a:buChar char="••"/>
-          </a:pPr>
-          <a:r>
-            <a:rPr lang="es-ES" sz="2400" b="0" kern="1200" smtClean="0">
-              <a:latin typeface="HP Simplified Light" panose="020B0406020204020204" pitchFamily="34" charset="0"/>
-            </a:rPr>
-            <a:t>titutlo</a:t>
-          </a:r>
-          <a:endParaRPr lang="es-ES" sz="2400" b="0" kern="1200">
-            <a:latin typeface="HP Simplified Light" panose="020B0406020204020204" pitchFamily="34" charset="0"/>
-          </a:endParaRPr>
-        </a:p>
-        <a:p>
-          <a:pPr marL="228600" lvl="1" indent="-228600" algn="l" defTabSz="1066800">
-            <a:lnSpc>
-              <a:spcPct val="90000"/>
-            </a:lnSpc>
-            <a:spcBef>
-              <a:spcPct val="0"/>
-            </a:spcBef>
-            <a:spcAft>
-              <a:spcPct val="15000"/>
-            </a:spcAft>
-            <a:buChar char="••"/>
-          </a:pPr>
-          <a:r>
-            <a:rPr lang="es-ES" sz="2400" b="0" i="0" kern="1200" smtClean="0">
-              <a:latin typeface="HP Simplified Light" panose="020B0406020204020204" pitchFamily="34" charset="0"/>
-            </a:rPr>
-            <a:t>genero</a:t>
-          </a:r>
-          <a:endParaRPr lang="es-ES" sz="2400" b="0" i="0" kern="1200">
-            <a:latin typeface="HP Simplified Light" panose="020B0406020204020204" pitchFamily="34" charset="0"/>
-          </a:endParaRPr>
-        </a:p>
-        <a:p>
-          <a:pPr marL="228600" lvl="1" indent="-228600" algn="l" defTabSz="1066800">
-            <a:lnSpc>
-              <a:spcPct val="90000"/>
-            </a:lnSpc>
-            <a:spcBef>
-              <a:spcPct val="0"/>
-            </a:spcBef>
-            <a:spcAft>
-              <a:spcPct val="15000"/>
-            </a:spcAft>
-            <a:buChar char="••"/>
-          </a:pPr>
-          <a:r>
-            <a:rPr lang="es-ES" sz="2400" b="0" i="0" kern="1200" smtClean="0">
-              <a:latin typeface="HP Simplified Light" panose="020B0406020204020204" pitchFamily="34" charset="0"/>
-            </a:rPr>
-            <a:t>autor</a:t>
-          </a:r>
-          <a:endParaRPr lang="es-ES" sz="2400" b="0" i="0" kern="1200">
-            <a:latin typeface="HP Simplified Light" panose="020B0406020204020204" pitchFamily="34" charset="0"/>
-          </a:endParaRPr>
-        </a:p>
-        <a:p>
-          <a:pPr marL="228600" lvl="1" indent="-228600" algn="l" defTabSz="1066800">
-            <a:lnSpc>
-              <a:spcPct val="90000"/>
-            </a:lnSpc>
-            <a:spcBef>
-              <a:spcPct val="0"/>
-            </a:spcBef>
-            <a:spcAft>
-              <a:spcPct val="15000"/>
-            </a:spcAft>
-            <a:buChar char="••"/>
-          </a:pPr>
-          <a:r>
-            <a:rPr lang="es-ES" sz="2400" b="0" kern="1200" smtClean="0">
-              <a:latin typeface="HP Simplified Light" panose="020B0406020204020204" pitchFamily="34" charset="0"/>
-            </a:rPr>
-            <a:t>duracion</a:t>
-          </a:r>
-          <a:endParaRPr lang="es-ES" sz="2400" b="0" kern="1200">
-            <a:latin typeface="HP Simplified Light" panose="020B0406020204020204" pitchFamily="34" charset="0"/>
-          </a:endParaRPr>
-        </a:p>
-        <a:p>
-          <a:pPr marL="228600" lvl="1" indent="-228600" algn="l" defTabSz="1066800">
-            <a:lnSpc>
-              <a:spcPct val="90000"/>
-            </a:lnSpc>
-            <a:spcBef>
-              <a:spcPct val="0"/>
-            </a:spcBef>
-            <a:spcAft>
-              <a:spcPct val="15000"/>
-            </a:spcAft>
-            <a:buChar char="••"/>
-          </a:pPr>
-          <a:r>
-            <a:rPr lang="es-ES" sz="2400" b="0" kern="1200" smtClean="0">
-              <a:latin typeface="HP Simplified Light" panose="020B0406020204020204" pitchFamily="34" charset="0"/>
-            </a:rPr>
-            <a:t>año</a:t>
-          </a:r>
-          <a:endParaRPr lang="es-ES" sz="2400" b="0" kern="1200">
-            <a:latin typeface="HP Simplified Light" panose="020B0406020204020204" pitchFamily="34" charset="0"/>
-          </a:endParaRPr>
-        </a:p>
-        <a:p>
-          <a:pPr marL="228600" lvl="1" indent="-228600" algn="l" defTabSz="1066800">
-            <a:lnSpc>
-              <a:spcPct val="90000"/>
-            </a:lnSpc>
-            <a:spcBef>
-              <a:spcPct val="0"/>
-            </a:spcBef>
-            <a:spcAft>
-              <a:spcPct val="15000"/>
-            </a:spcAft>
-            <a:buChar char="••"/>
-          </a:pPr>
-          <a:r>
-            <a:rPr lang="es-ES" sz="2400" b="0" kern="1200">
-              <a:latin typeface="HP Simplified Light" panose="020B0406020204020204" pitchFamily="34" charset="0"/>
-            </a:rPr>
-            <a:t>visto</a:t>
-          </a:r>
-        </a:p>
-        <a:p>
-          <a:pPr marL="228600" lvl="1" indent="-228600" algn="l" defTabSz="1066800">
-            <a:lnSpc>
-              <a:spcPct val="90000"/>
-            </a:lnSpc>
-            <a:spcBef>
-              <a:spcPct val="0"/>
-            </a:spcBef>
-            <a:spcAft>
-              <a:spcPct val="15000"/>
-            </a:spcAft>
-            <a:buChar char="••"/>
-          </a:pPr>
-          <a:r>
-            <a:rPr lang="es-ES" sz="2400" b="0" kern="1200">
-              <a:latin typeface="HP Simplified Light" panose="020B0406020204020204" pitchFamily="34" charset="0"/>
-            </a:rPr>
-            <a:t>noTemporadas</a:t>
-          </a:r>
-        </a:p>
-        <a:p>
-          <a:pPr marL="228600" lvl="1" indent="-228600" algn="l" defTabSz="1066800">
-            <a:lnSpc>
-              <a:spcPct val="90000"/>
-            </a:lnSpc>
-            <a:spcBef>
-              <a:spcPct val="0"/>
-            </a:spcBef>
-            <a:spcAft>
-              <a:spcPct val="15000"/>
-            </a:spcAft>
-            <a:buChar char="••"/>
-          </a:pPr>
-          <a:r>
-            <a:rPr lang="es-ES" sz="2400" b="0" kern="1200">
-              <a:latin typeface="HP Simplified Light" panose="020B0406020204020204" pitchFamily="34" charset="0"/>
-            </a:rPr>
-            <a:t>noCapitulos</a:t>
-          </a:r>
-        </a:p>
-      </dsp:txBody>
-      <dsp:txXfrm>
-        <a:off x="2985171" y="1831694"/>
-        <a:ext cx="2614757" cy="3610318"/>
-      </dsp:txXfrm>
-    </dsp:sp>
-    <dsp:sp modelId="{A1CAB5DF-0E99-4BEC-9C09-B1E3876F747D}">
-      <dsp:nvSpPr>
-        <dsp:cNvPr id="0" name=""/>
-        <dsp:cNvSpPr/>
-      </dsp:nvSpPr>
-      <dsp:spPr>
-        <a:xfrm>
-          <a:off x="5965995" y="785791"/>
-          <a:ext cx="2614757" cy="1045902"/>
-        </a:xfrm>
-        <a:prstGeom prst="rect">
-          <a:avLst/>
-        </a:prstGeom>
-        <a:solidFill>
-          <a:schemeClr val="accent5">
-            <a:hueOff val="-4902230"/>
-            <a:satOff val="-6819"/>
-            <a:lumOff val="-2615"/>
-            <a:alphaOff val="0"/>
-          </a:schemeClr>
-        </a:solidFill>
-        <a:ln w="12700" cap="flat" cmpd="sng" algn="ctr">
-          <a:solidFill>
-            <a:schemeClr val="accent5">
-              <a:hueOff val="-4902230"/>
-              <a:satOff val="-6819"/>
-              <a:lumOff val="-2615"/>
-              <a:alphaOff val="0"/>
-            </a:schemeClr>
-          </a:solidFill>
-          <a:prstDash val="solid"/>
-          <a:miter lim="800000"/>
-        </a:ln>
-        <a:effectLst/>
-      </dsp:spPr>
-      <dsp:style>
-        <a:lnRef idx="2">
-          <a:scrgbClr r="0" g="0" b="0"/>
-        </a:lnRef>
-        <a:fillRef idx="1">
-          <a:scrgbClr r="0" g="0" b="0"/>
-        </a:fillRef>
-        <a:effectRef idx="0">
-          <a:scrgbClr r="0" g="0" b="0"/>
-        </a:effectRef>
-        <a:fontRef idx="minor">
-          <a:schemeClr val="lt1"/>
-        </a:fontRef>
-      </dsp:style>
-      <dsp:txBody>
-        <a:bodyPr spcFirstLastPara="0" vert="horz" wrap="square" lIns="170688" tIns="97536" rIns="170688" bIns="97536" numCol="1" spcCol="1270" anchor="ctr" anchorCtr="0">
-          <a:noAutofit/>
-        </a:bodyPr>
-        <a:lstStyle/>
-        <a:p>
-          <a:pPr lvl="0" algn="ctr" defTabSz="1066800">
-            <a:lnSpc>
-              <a:spcPct val="90000"/>
-            </a:lnSpc>
-            <a:spcBef>
-              <a:spcPct val="0"/>
-            </a:spcBef>
-            <a:spcAft>
-              <a:spcPct val="35000"/>
-            </a:spcAft>
-          </a:pPr>
-          <a:r>
-            <a:rPr lang="es-ES" sz="2400" kern="1200" dirty="0">
-              <a:latin typeface="HP Simplified Light" panose="020B0406020204020204" pitchFamily="34" charset="0"/>
-            </a:rPr>
-            <a:t>LIBRO</a:t>
-          </a:r>
-        </a:p>
-      </dsp:txBody>
-      <dsp:txXfrm>
-        <a:off x="5965995" y="785791"/>
-        <a:ext cx="2614757" cy="1045902"/>
-      </dsp:txXfrm>
-    </dsp:sp>
-    <dsp:sp modelId="{3C7F2744-8691-409F-B0F3-D1808840ED64}">
-      <dsp:nvSpPr>
-        <dsp:cNvPr id="0" name=""/>
-        <dsp:cNvSpPr/>
-      </dsp:nvSpPr>
-      <dsp:spPr>
-        <a:xfrm>
-          <a:off x="5965995" y="1831694"/>
-          <a:ext cx="2614757" cy="3610318"/>
-        </a:xfrm>
-        <a:prstGeom prst="rect">
-          <a:avLst/>
-        </a:prstGeom>
-        <a:solidFill>
-          <a:schemeClr val="accent5">
-            <a:tint val="40000"/>
-            <a:alpha val="90000"/>
-            <a:hueOff val="-4927837"/>
-            <a:satOff val="-8544"/>
-            <a:lumOff val="-859"/>
-            <a:alphaOff val="0"/>
-          </a:schemeClr>
-        </a:solidFill>
-        <a:ln w="12700" cap="flat" cmpd="sng" algn="ctr">
-          <a:solidFill>
-            <a:schemeClr val="accent5">
-              <a:tint val="40000"/>
-              <a:alpha val="90000"/>
-              <a:hueOff val="-4927837"/>
-              <a:satOff val="-8544"/>
-              <a:lumOff val="-859"/>
-              <a:alphaOff val="0"/>
-            </a:schemeClr>
-          </a:solidFill>
-          <a:prstDash val="solid"/>
-          <a:miter lim="800000"/>
-        </a:ln>
-        <a:effectLst/>
-      </dsp:spPr>
-      <dsp:style>
-        <a:lnRef idx="2">
-          <a:scrgbClr r="0" g="0" b="0"/>
-        </a:lnRef>
-        <a:fillRef idx="1">
-          <a:scrgbClr r="0" g="0" b="0"/>
-        </a:fillRef>
-        <a:effectRef idx="0">
-          <a:scrgbClr r="0" g="0" b="0"/>
-        </a:effectRef>
-        <a:fontRef idx="minor"/>
-      </dsp:style>
-      <dsp:txBody>
-        <a:bodyPr spcFirstLastPara="0" vert="horz" wrap="square" lIns="128016" tIns="128016" rIns="170688" bIns="192024" numCol="1" spcCol="1270" anchor="t" anchorCtr="0">
-          <a:noAutofit/>
-        </a:bodyPr>
-        <a:lstStyle/>
-        <a:p>
-          <a:pPr marL="228600" lvl="1" indent="-228600" algn="l" defTabSz="1066800">
-            <a:lnSpc>
-              <a:spcPct val="90000"/>
-            </a:lnSpc>
-            <a:spcBef>
-              <a:spcPct val="0"/>
-            </a:spcBef>
-            <a:spcAft>
-              <a:spcPct val="15000"/>
-            </a:spcAft>
-            <a:buChar char="••"/>
-          </a:pPr>
-          <a:r>
-            <a:rPr lang="es-ES" sz="2400" b="0" kern="1200">
-              <a:latin typeface="HP Simplified Light" panose="020B0406020204020204" pitchFamily="34" charset="0"/>
-            </a:rPr>
-            <a:t>id</a:t>
-          </a:r>
-        </a:p>
-        <a:p>
-          <a:pPr marL="228600" lvl="1" indent="-228600" algn="l" defTabSz="1066800">
-            <a:lnSpc>
-              <a:spcPct val="90000"/>
-            </a:lnSpc>
-            <a:spcBef>
-              <a:spcPct val="0"/>
-            </a:spcBef>
-            <a:spcAft>
-              <a:spcPct val="15000"/>
-            </a:spcAft>
-            <a:buChar char="••"/>
-          </a:pPr>
-          <a:r>
-            <a:rPr lang="es-ES" sz="2400" b="0" kern="1200">
-              <a:latin typeface="HP Simplified Light" panose="020B0406020204020204" pitchFamily="34" charset="0"/>
-            </a:rPr>
-            <a:t>titulo</a:t>
-          </a:r>
-        </a:p>
-        <a:p>
-          <a:pPr marL="228600" lvl="1" indent="-228600" algn="l" defTabSz="1066800">
-            <a:lnSpc>
-              <a:spcPct val="90000"/>
-            </a:lnSpc>
-            <a:spcBef>
-              <a:spcPct val="0"/>
-            </a:spcBef>
-            <a:spcAft>
-              <a:spcPct val="15000"/>
-            </a:spcAft>
-            <a:buChar char="••"/>
-          </a:pPr>
-          <a:r>
-            <a:rPr lang="es-ES" sz="2400" b="0" kern="1200">
-              <a:latin typeface="HP Simplified Light" panose="020B0406020204020204" pitchFamily="34" charset="0"/>
-            </a:rPr>
-            <a:t>autores</a:t>
-          </a:r>
-        </a:p>
-        <a:p>
-          <a:pPr marL="228600" lvl="1" indent="-228600" algn="l" defTabSz="1066800">
-            <a:lnSpc>
-              <a:spcPct val="90000"/>
-            </a:lnSpc>
-            <a:spcBef>
-              <a:spcPct val="0"/>
-            </a:spcBef>
-            <a:spcAft>
-              <a:spcPct val="15000"/>
-            </a:spcAft>
-            <a:buChar char="••"/>
-          </a:pPr>
-          <a:r>
-            <a:rPr lang="es-ES" sz="2400" b="0" kern="1200">
-              <a:latin typeface="HP Simplified Light" panose="020B0406020204020204" pitchFamily="34" charset="0"/>
-            </a:rPr>
-            <a:t>editorial</a:t>
-          </a:r>
-        </a:p>
-        <a:p>
-          <a:pPr marL="228600" lvl="1" indent="-228600" algn="l" defTabSz="1066800">
-            <a:lnSpc>
-              <a:spcPct val="90000"/>
-            </a:lnSpc>
-            <a:spcBef>
-              <a:spcPct val="0"/>
-            </a:spcBef>
-            <a:spcAft>
-              <a:spcPct val="15000"/>
-            </a:spcAft>
-            <a:buChar char="••"/>
-          </a:pPr>
-          <a:r>
-            <a:rPr lang="es-ES" sz="2400" b="0" kern="1200">
-              <a:latin typeface="HP Simplified Light" panose="020B0406020204020204" pitchFamily="34" charset="0"/>
-            </a:rPr>
-            <a:t>añoEdicion</a:t>
-          </a:r>
-        </a:p>
-        <a:p>
-          <a:pPr marL="228600" lvl="1" indent="-228600" algn="l" defTabSz="1066800">
-            <a:lnSpc>
-              <a:spcPct val="90000"/>
-            </a:lnSpc>
-            <a:spcBef>
-              <a:spcPct val="0"/>
-            </a:spcBef>
-            <a:spcAft>
-              <a:spcPct val="15000"/>
-            </a:spcAft>
-            <a:buChar char="••"/>
-          </a:pPr>
-          <a:r>
-            <a:rPr lang="es-ES" sz="2400" b="0" kern="1200">
-              <a:latin typeface="HP Simplified Light" panose="020B0406020204020204" pitchFamily="34" charset="0"/>
-            </a:rPr>
-            <a:t>isbn</a:t>
-          </a:r>
-        </a:p>
-        <a:p>
-          <a:pPr marL="228600" lvl="1" indent="-228600" algn="l" defTabSz="1066800">
-            <a:lnSpc>
-              <a:spcPct val="90000"/>
-            </a:lnSpc>
-            <a:spcBef>
-              <a:spcPct val="0"/>
-            </a:spcBef>
-            <a:spcAft>
-              <a:spcPct val="15000"/>
-            </a:spcAft>
-            <a:buChar char="••"/>
-          </a:pPr>
-          <a:r>
-            <a:rPr lang="es-ES" sz="2400" b="0" kern="1200">
-              <a:latin typeface="HP Simplified Light" panose="020B0406020204020204" pitchFamily="34" charset="0"/>
-            </a:rPr>
-            <a:t>leido</a:t>
-          </a:r>
-        </a:p>
-        <a:p>
-          <a:pPr marL="228600" lvl="1" indent="-228600" algn="l" defTabSz="1066800">
-            <a:lnSpc>
-              <a:spcPct val="90000"/>
-            </a:lnSpc>
-            <a:spcBef>
-              <a:spcPct val="0"/>
-            </a:spcBef>
-            <a:spcAft>
-              <a:spcPct val="15000"/>
-            </a:spcAft>
-            <a:buChar char="••"/>
-          </a:pPr>
-          <a:r>
-            <a:rPr lang="es-ES" sz="2400" b="0" kern="1200">
-              <a:latin typeface="HP Simplified Light" panose="020B0406020204020204" pitchFamily="34" charset="0"/>
-            </a:rPr>
-            <a:t>tiempoLeido</a:t>
-          </a:r>
-        </a:p>
-      </dsp:txBody>
-      <dsp:txXfrm>
-        <a:off x="5965995" y="1831694"/>
-        <a:ext cx="2614757" cy="3610318"/>
-      </dsp:txXfrm>
-    </dsp:sp>
-    <dsp:sp modelId="{CBA7C0C3-275F-4B0B-834D-2C7A0547E57D}">
-      <dsp:nvSpPr>
-        <dsp:cNvPr id="0" name=""/>
-        <dsp:cNvSpPr/>
-      </dsp:nvSpPr>
-      <dsp:spPr>
-        <a:xfrm>
-          <a:off x="8946818" y="785791"/>
-          <a:ext cx="2614757" cy="1045902"/>
-        </a:xfrm>
-        <a:prstGeom prst="rect">
-          <a:avLst/>
-        </a:prstGeom>
-        <a:solidFill>
-          <a:schemeClr val="accent5">
-            <a:hueOff val="-7353344"/>
-            <a:satOff val="-10228"/>
-            <a:lumOff val="-3922"/>
-            <a:alphaOff val="0"/>
-          </a:schemeClr>
-        </a:solidFill>
-        <a:ln w="12700" cap="flat" cmpd="sng" algn="ctr">
-          <a:solidFill>
-            <a:schemeClr val="accent5">
-              <a:hueOff val="-7353344"/>
-              <a:satOff val="-10228"/>
-              <a:lumOff val="-3922"/>
-              <a:alphaOff val="0"/>
-            </a:schemeClr>
-          </a:solidFill>
-          <a:prstDash val="solid"/>
-          <a:miter lim="800000"/>
-        </a:ln>
-        <a:effectLst/>
-      </dsp:spPr>
-      <dsp:style>
-        <a:lnRef idx="2">
-          <a:scrgbClr r="0" g="0" b="0"/>
-        </a:lnRef>
-        <a:fillRef idx="1">
-          <a:scrgbClr r="0" g="0" b="0"/>
-        </a:fillRef>
-        <a:effectRef idx="0">
-          <a:scrgbClr r="0" g="0" b="0"/>
-        </a:effectRef>
-        <a:fontRef idx="minor">
-          <a:schemeClr val="lt1"/>
-        </a:fontRef>
-      </dsp:style>
-      <dsp:txBody>
-        <a:bodyPr spcFirstLastPara="0" vert="horz" wrap="square" lIns="170688" tIns="97536" rIns="170688" bIns="97536" numCol="1" spcCol="1270" anchor="ctr" anchorCtr="0">
-          <a:noAutofit/>
-        </a:bodyPr>
-        <a:lstStyle/>
-        <a:p>
-          <a:pPr lvl="0" algn="ctr" defTabSz="1066800">
-            <a:lnSpc>
-              <a:spcPct val="90000"/>
-            </a:lnSpc>
-            <a:spcBef>
-              <a:spcPct val="0"/>
-            </a:spcBef>
-            <a:spcAft>
-              <a:spcPct val="35000"/>
-            </a:spcAft>
-          </a:pPr>
-          <a:r>
-            <a:rPr lang="es-ES" sz="2400" kern="1200" dirty="0">
-              <a:latin typeface="HP Simplified Light" panose="020B0406020204020204" pitchFamily="34" charset="0"/>
-            </a:rPr>
-            <a:t>REVISTA</a:t>
-          </a:r>
-        </a:p>
-      </dsp:txBody>
-      <dsp:txXfrm>
-        <a:off x="8946818" y="785791"/>
-        <a:ext cx="2614757" cy="1045902"/>
-      </dsp:txXfrm>
-    </dsp:sp>
-    <dsp:sp modelId="{97BA57E8-55DB-426E-B9DB-AA82422A1AC7}">
-      <dsp:nvSpPr>
-        <dsp:cNvPr id="0" name=""/>
-        <dsp:cNvSpPr/>
-      </dsp:nvSpPr>
-      <dsp:spPr>
-        <a:xfrm>
-          <a:off x="8946818" y="1831694"/>
-          <a:ext cx="2614757" cy="3610318"/>
-        </a:xfrm>
-        <a:prstGeom prst="rect">
-          <a:avLst/>
-        </a:prstGeom>
-        <a:solidFill>
-          <a:schemeClr val="accent5">
-            <a:tint val="40000"/>
-            <a:alpha val="90000"/>
-            <a:hueOff val="-7391755"/>
-            <a:satOff val="-12816"/>
-            <a:lumOff val="-1289"/>
-            <a:alphaOff val="0"/>
-          </a:schemeClr>
-        </a:solidFill>
-        <a:ln w="12700" cap="flat" cmpd="sng" algn="ctr">
-          <a:solidFill>
-            <a:schemeClr val="accent5">
-              <a:tint val="40000"/>
-              <a:alpha val="90000"/>
-              <a:hueOff val="-7391755"/>
-              <a:satOff val="-12816"/>
-              <a:lumOff val="-1289"/>
-              <a:alphaOff val="0"/>
-            </a:schemeClr>
-          </a:solidFill>
-          <a:prstDash val="solid"/>
-          <a:miter lim="800000"/>
-        </a:ln>
-        <a:effectLst/>
-      </dsp:spPr>
-      <dsp:style>
-        <a:lnRef idx="2">
-          <a:scrgbClr r="0" g="0" b="0"/>
-        </a:lnRef>
-        <a:fillRef idx="1">
-          <a:scrgbClr r="0" g="0" b="0"/>
-        </a:fillRef>
-        <a:effectRef idx="0">
-          <a:scrgbClr r="0" g="0" b="0"/>
-        </a:effectRef>
-        <a:fontRef idx="minor"/>
-      </dsp:style>
-      <dsp:txBody>
-        <a:bodyPr spcFirstLastPara="0" vert="horz" wrap="square" lIns="128016" tIns="128016" rIns="170688" bIns="192024" numCol="1" spcCol="1270" anchor="t" anchorCtr="0">
-          <a:noAutofit/>
-        </a:bodyPr>
-        <a:lstStyle/>
-        <a:p>
-          <a:pPr marL="228600" lvl="1" indent="-228600" algn="l" defTabSz="1066800">
-            <a:lnSpc>
-              <a:spcPct val="90000"/>
-            </a:lnSpc>
-            <a:spcBef>
-              <a:spcPct val="0"/>
-            </a:spcBef>
-            <a:spcAft>
-              <a:spcPct val="15000"/>
-            </a:spcAft>
-            <a:buChar char="••"/>
-          </a:pPr>
-          <a:r>
-            <a:rPr lang="es-ES" sz="2400" b="0" kern="1200">
-              <a:latin typeface="HP Simplified Light" panose="020B0406020204020204" pitchFamily="34" charset="0"/>
-            </a:rPr>
-            <a:t>id</a:t>
-          </a:r>
-        </a:p>
-        <a:p>
-          <a:pPr marL="228600" lvl="1" indent="-228600" algn="l" defTabSz="1066800">
-            <a:lnSpc>
-              <a:spcPct val="90000"/>
-            </a:lnSpc>
-            <a:spcBef>
-              <a:spcPct val="0"/>
-            </a:spcBef>
-            <a:spcAft>
-              <a:spcPct val="15000"/>
-            </a:spcAft>
-            <a:buChar char="••"/>
-          </a:pPr>
-          <a:r>
-            <a:rPr lang="es-ES" sz="2400" b="0" kern="1200">
-              <a:latin typeface="HP Simplified Light" panose="020B0406020204020204" pitchFamily="34" charset="0"/>
-            </a:rPr>
-            <a:t>titulo</a:t>
-          </a:r>
-        </a:p>
-        <a:p>
-          <a:pPr marL="228600" lvl="1" indent="-228600" algn="l" defTabSz="1066800">
-            <a:lnSpc>
-              <a:spcPct val="90000"/>
-            </a:lnSpc>
-            <a:spcBef>
-              <a:spcPct val="0"/>
-            </a:spcBef>
-            <a:spcAft>
-              <a:spcPct val="15000"/>
-            </a:spcAft>
-            <a:buChar char="••"/>
-          </a:pPr>
-          <a:r>
-            <a:rPr lang="es-ES" sz="2400" b="0" kern="1200">
-              <a:latin typeface="HP Simplified Light" panose="020B0406020204020204" pitchFamily="34" charset="0"/>
-            </a:rPr>
-            <a:t>añoEdicion</a:t>
-          </a:r>
-        </a:p>
-        <a:p>
-          <a:pPr marL="228600" lvl="1" indent="-228600" algn="l" defTabSz="1066800">
-            <a:lnSpc>
-              <a:spcPct val="90000"/>
-            </a:lnSpc>
-            <a:spcBef>
-              <a:spcPct val="0"/>
-            </a:spcBef>
-            <a:spcAft>
-              <a:spcPct val="15000"/>
-            </a:spcAft>
-            <a:buChar char="••"/>
-          </a:pPr>
-          <a:r>
-            <a:rPr lang="es-ES" sz="2400" b="0" kern="1200">
-              <a:latin typeface="HP Simplified Light" panose="020B0406020204020204" pitchFamily="34" charset="0"/>
-            </a:rPr>
-            <a:t>autores</a:t>
-          </a:r>
-        </a:p>
-        <a:p>
-          <a:pPr marL="228600" lvl="1" indent="-228600" algn="l" defTabSz="1066800">
-            <a:lnSpc>
-              <a:spcPct val="90000"/>
-            </a:lnSpc>
-            <a:spcBef>
-              <a:spcPct val="0"/>
-            </a:spcBef>
-            <a:spcAft>
-              <a:spcPct val="15000"/>
-            </a:spcAft>
-            <a:buChar char="••"/>
-          </a:pPr>
-          <a:r>
-            <a:rPr lang="es-ES" sz="2400" b="0" kern="1200">
-              <a:latin typeface="HP Simplified Light" panose="020B0406020204020204" pitchFamily="34" charset="0"/>
-            </a:rPr>
-            <a:t>editorial</a:t>
-          </a:r>
-        </a:p>
-      </dsp:txBody>
-      <dsp:txXfrm>
-        <a:off x="8946818" y="1831694"/>
-        <a:ext cx="2614757" cy="3610318"/>
-      </dsp:txXfrm>
-    </dsp:sp>
   </dsp:spTree>
 </dsp:drawing>
 </file>
@@ -16115,1236 +14909,6 @@
       <dsp:cNvGrpSpPr/>
     </dsp:nvGrpSpPr>
     <dsp:grpSpPr/>
-    <dsp:sp modelId="{7AB965C8-37D9-4082-8C07-255381E88FC0}">
-      <dsp:nvSpPr>
-        <dsp:cNvPr id="0" name=""/>
-        <dsp:cNvSpPr/>
-      </dsp:nvSpPr>
-      <dsp:spPr>
-        <a:xfrm>
-          <a:off x="4348" y="178766"/>
-          <a:ext cx="2614757" cy="1045902"/>
-        </a:xfrm>
-        <a:prstGeom prst="rect">
-          <a:avLst/>
-        </a:prstGeom>
-        <a:solidFill>
-          <a:schemeClr val="accent5">
-            <a:hueOff val="0"/>
-            <a:satOff val="0"/>
-            <a:lumOff val="0"/>
-            <a:alphaOff val="0"/>
-          </a:schemeClr>
-        </a:solidFill>
-        <a:ln w="12700" cap="flat" cmpd="sng" algn="ctr">
-          <a:solidFill>
-            <a:schemeClr val="accent5">
-              <a:hueOff val="0"/>
-              <a:satOff val="0"/>
-              <a:lumOff val="0"/>
-              <a:alphaOff val="0"/>
-            </a:schemeClr>
-          </a:solidFill>
-          <a:prstDash val="solid"/>
-          <a:miter lim="800000"/>
-        </a:ln>
-        <a:effectLst/>
-      </dsp:spPr>
-      <dsp:style>
-        <a:lnRef idx="2">
-          <a:scrgbClr r="0" g="0" b="0"/>
-        </a:lnRef>
-        <a:fillRef idx="1">
-          <a:scrgbClr r="0" g="0" b="0"/>
-        </a:fillRef>
-        <a:effectRef idx="0">
-          <a:scrgbClr r="0" g="0" b="0"/>
-        </a:effectRef>
-        <a:fontRef idx="minor">
-          <a:schemeClr val="lt1"/>
-        </a:fontRef>
-      </dsp:style>
-      <dsp:txBody>
-        <a:bodyPr spcFirstLastPara="0" vert="horz" wrap="square" lIns="170688" tIns="97536" rIns="170688" bIns="97536" numCol="1" spcCol="1270" anchor="ctr" anchorCtr="0">
-          <a:noAutofit/>
-        </a:bodyPr>
-        <a:lstStyle/>
-        <a:p>
-          <a:pPr lvl="0" algn="ctr" defTabSz="1066800">
-            <a:lnSpc>
-              <a:spcPct val="90000"/>
-            </a:lnSpc>
-            <a:spcBef>
-              <a:spcPct val="0"/>
-            </a:spcBef>
-            <a:spcAft>
-              <a:spcPct val="35000"/>
-            </a:spcAft>
-          </a:pPr>
-          <a:r>
-            <a:rPr lang="es-ES" sz="2400" kern="1200">
-              <a:latin typeface="HP Simplified Light" panose="020B0406020204020204" pitchFamily="34" charset="0"/>
-            </a:rPr>
-            <a:t>PELICULA</a:t>
-          </a:r>
-        </a:p>
-      </dsp:txBody>
-      <dsp:txXfrm>
-        <a:off x="4348" y="178766"/>
-        <a:ext cx="2614757" cy="1045902"/>
-      </dsp:txXfrm>
-    </dsp:sp>
-    <dsp:sp modelId="{B9BC7F27-FE5B-4F6E-B226-283CCA6322E5}">
-      <dsp:nvSpPr>
-        <dsp:cNvPr id="0" name=""/>
-        <dsp:cNvSpPr/>
-      </dsp:nvSpPr>
-      <dsp:spPr>
-        <a:xfrm>
-          <a:off x="4348" y="1224669"/>
-          <a:ext cx="2614757" cy="3610318"/>
-        </a:xfrm>
-        <a:prstGeom prst="rect">
-          <a:avLst/>
-        </a:prstGeom>
-        <a:solidFill>
-          <a:schemeClr val="accent5">
-            <a:tint val="40000"/>
-            <a:alpha val="90000"/>
-            <a:hueOff val="0"/>
-            <a:satOff val="0"/>
-            <a:lumOff val="0"/>
-            <a:alphaOff val="0"/>
-          </a:schemeClr>
-        </a:solidFill>
-        <a:ln w="12700" cap="flat" cmpd="sng" algn="ctr">
-          <a:solidFill>
-            <a:schemeClr val="accent5">
-              <a:tint val="40000"/>
-              <a:alpha val="90000"/>
-              <a:hueOff val="0"/>
-              <a:satOff val="0"/>
-              <a:lumOff val="0"/>
-              <a:alphaOff val="0"/>
-            </a:schemeClr>
-          </a:solidFill>
-          <a:prstDash val="solid"/>
-          <a:miter lim="800000"/>
-        </a:ln>
-        <a:effectLst/>
-      </dsp:spPr>
-      <dsp:style>
-        <a:lnRef idx="2">
-          <a:scrgbClr r="0" g="0" b="0"/>
-        </a:lnRef>
-        <a:fillRef idx="1">
-          <a:scrgbClr r="0" g="0" b="0"/>
-        </a:fillRef>
-        <a:effectRef idx="0">
-          <a:scrgbClr r="0" g="0" b="0"/>
-        </a:effectRef>
-        <a:fontRef idx="minor"/>
-      </dsp:style>
-      <dsp:txBody>
-        <a:bodyPr spcFirstLastPara="0" vert="horz" wrap="square" lIns="128016" tIns="128016" rIns="170688" bIns="192024" numCol="1" spcCol="1270" anchor="t" anchorCtr="0">
-          <a:noAutofit/>
-        </a:bodyPr>
-        <a:lstStyle/>
-        <a:p>
-          <a:pPr marL="228600" lvl="1" indent="-228600" algn="l" defTabSz="1066800">
-            <a:lnSpc>
-              <a:spcPct val="90000"/>
-            </a:lnSpc>
-            <a:spcBef>
-              <a:spcPct val="0"/>
-            </a:spcBef>
-            <a:spcAft>
-              <a:spcPct val="15000"/>
-            </a:spcAft>
-            <a:buChar char="••"/>
-          </a:pPr>
-          <a:r>
-            <a:rPr lang="es-ES" sz="2400" b="1" i="0" kern="1200" dirty="0" smtClean="0">
-              <a:latin typeface="HP Simplified Light" panose="020B0406020204020204" pitchFamily="34" charset="0"/>
-            </a:rPr>
-            <a:t>id</a:t>
-          </a:r>
-          <a:endParaRPr lang="es-ES" sz="2400" b="1" i="0" kern="1200" dirty="0">
-            <a:latin typeface="HP Simplified Light" panose="020B0406020204020204" pitchFamily="34" charset="0"/>
-          </a:endParaRPr>
-        </a:p>
-        <a:p>
-          <a:pPr marL="228600" lvl="1" indent="-228600" algn="l" defTabSz="1066800">
-            <a:lnSpc>
-              <a:spcPct val="90000"/>
-            </a:lnSpc>
-            <a:spcBef>
-              <a:spcPct val="0"/>
-            </a:spcBef>
-            <a:spcAft>
-              <a:spcPct val="15000"/>
-            </a:spcAft>
-            <a:buChar char="••"/>
-          </a:pPr>
-          <a:r>
-            <a:rPr lang="es-ES" sz="2400" b="1" i="0" kern="1200" dirty="0" smtClean="0">
-              <a:latin typeface="HP Simplified Light" panose="020B0406020204020204" pitchFamily="34" charset="0"/>
-            </a:rPr>
-            <a:t>titulo</a:t>
-          </a:r>
-          <a:endParaRPr lang="es-ES" sz="2400" b="1" i="0" kern="1200" dirty="0">
-            <a:latin typeface="HP Simplified Light" panose="020B0406020204020204" pitchFamily="34" charset="0"/>
-          </a:endParaRPr>
-        </a:p>
-        <a:p>
-          <a:pPr marL="228600" lvl="1" indent="-228600" algn="l" defTabSz="1066800">
-            <a:lnSpc>
-              <a:spcPct val="90000"/>
-            </a:lnSpc>
-            <a:spcBef>
-              <a:spcPct val="0"/>
-            </a:spcBef>
-            <a:spcAft>
-              <a:spcPct val="15000"/>
-            </a:spcAft>
-            <a:buChar char="••"/>
-          </a:pPr>
-          <a:r>
-            <a:rPr lang="es-ES" sz="2400" b="1" i="0" kern="1200" dirty="0" smtClean="0">
-              <a:latin typeface="HP Simplified Light" panose="020B0406020204020204" pitchFamily="34" charset="0"/>
-            </a:rPr>
-            <a:t>genero</a:t>
-          </a:r>
-          <a:endParaRPr lang="es-ES" sz="2400" b="1" i="0" kern="1200" dirty="0">
-            <a:latin typeface="HP Simplified Light" panose="020B0406020204020204" pitchFamily="34" charset="0"/>
-          </a:endParaRPr>
-        </a:p>
-        <a:p>
-          <a:pPr marL="228600" lvl="1" indent="-228600" algn="l" defTabSz="1066800">
-            <a:lnSpc>
-              <a:spcPct val="90000"/>
-            </a:lnSpc>
-            <a:spcBef>
-              <a:spcPct val="0"/>
-            </a:spcBef>
-            <a:spcAft>
-              <a:spcPct val="15000"/>
-            </a:spcAft>
-            <a:buChar char="••"/>
-          </a:pPr>
-          <a:r>
-            <a:rPr lang="es-ES" sz="2400" b="1" i="0" kern="1200" dirty="0" smtClean="0">
-              <a:latin typeface="HP Simplified Light" panose="020B0406020204020204" pitchFamily="34" charset="0"/>
-            </a:rPr>
-            <a:t>autor</a:t>
-          </a:r>
-          <a:endParaRPr lang="es-ES" sz="2400" b="1" i="0" kern="1200" dirty="0">
-            <a:latin typeface="HP Simplified Light" panose="020B0406020204020204" pitchFamily="34" charset="0"/>
-          </a:endParaRPr>
-        </a:p>
-        <a:p>
-          <a:pPr marL="228600" lvl="1" indent="-228600" algn="l" defTabSz="1066800">
-            <a:lnSpc>
-              <a:spcPct val="90000"/>
-            </a:lnSpc>
-            <a:spcBef>
-              <a:spcPct val="0"/>
-            </a:spcBef>
-            <a:spcAft>
-              <a:spcPct val="15000"/>
-            </a:spcAft>
-            <a:buChar char="••"/>
-          </a:pPr>
-          <a:r>
-            <a:rPr lang="es-ES" sz="2400" b="1" i="0" kern="1200" dirty="0" err="1" smtClean="0">
-              <a:latin typeface="HP Simplified Light" panose="020B0406020204020204" pitchFamily="34" charset="0"/>
-            </a:rPr>
-            <a:t>duracion</a:t>
-          </a:r>
-          <a:endParaRPr lang="es-ES" sz="2400" b="1" i="0" kern="1200" dirty="0">
-            <a:latin typeface="HP Simplified Light" panose="020B0406020204020204" pitchFamily="34" charset="0"/>
-          </a:endParaRPr>
-        </a:p>
-        <a:p>
-          <a:pPr marL="228600" lvl="1" indent="-228600" algn="l" defTabSz="1066800">
-            <a:lnSpc>
-              <a:spcPct val="90000"/>
-            </a:lnSpc>
-            <a:spcBef>
-              <a:spcPct val="0"/>
-            </a:spcBef>
-            <a:spcAft>
-              <a:spcPct val="15000"/>
-            </a:spcAft>
-            <a:buChar char="••"/>
-          </a:pPr>
-          <a:r>
-            <a:rPr lang="es-ES" sz="2400" b="1" i="0" kern="1200" dirty="0" smtClean="0">
-              <a:latin typeface="HP Simplified Light" panose="020B0406020204020204" pitchFamily="34" charset="0"/>
-            </a:rPr>
-            <a:t>año</a:t>
-          </a:r>
-          <a:endParaRPr lang="es-ES" sz="2400" b="1" i="0" kern="1200" dirty="0">
-            <a:latin typeface="HP Simplified Light" panose="020B0406020204020204" pitchFamily="34" charset="0"/>
-          </a:endParaRPr>
-        </a:p>
-        <a:p>
-          <a:pPr marL="228600" lvl="1" indent="-228600" algn="l" defTabSz="1066800">
-            <a:lnSpc>
-              <a:spcPct val="90000"/>
-            </a:lnSpc>
-            <a:spcBef>
-              <a:spcPct val="0"/>
-            </a:spcBef>
-            <a:spcAft>
-              <a:spcPct val="15000"/>
-            </a:spcAft>
-            <a:buChar char="••"/>
-          </a:pPr>
-          <a:r>
-            <a:rPr lang="es-ES" sz="2400" b="1" i="0" kern="1200" dirty="0" smtClean="0">
-              <a:latin typeface="HP Simplified Light" panose="020B0406020204020204" pitchFamily="34" charset="0"/>
-            </a:rPr>
-            <a:t>visto</a:t>
-          </a:r>
-          <a:endParaRPr lang="es-ES" sz="2400" b="1" i="0" kern="1200" dirty="0">
-            <a:latin typeface="HP Simplified Light" panose="020B0406020204020204" pitchFamily="34" charset="0"/>
-          </a:endParaRPr>
-        </a:p>
-        <a:p>
-          <a:pPr marL="228600" lvl="1" indent="-228600" algn="l" defTabSz="1066800">
-            <a:lnSpc>
-              <a:spcPct val="90000"/>
-            </a:lnSpc>
-            <a:spcBef>
-              <a:spcPct val="0"/>
-            </a:spcBef>
-            <a:spcAft>
-              <a:spcPct val="15000"/>
-            </a:spcAft>
-            <a:buChar char="••"/>
-          </a:pPr>
-          <a:r>
-            <a:rPr lang="es-ES" sz="2400" b="0" i="0" kern="1200" dirty="0" err="1" smtClean="0">
-              <a:latin typeface="HP Simplified Light" panose="020B0406020204020204" pitchFamily="34" charset="0"/>
-            </a:rPr>
-            <a:t>tiempoVisto</a:t>
-          </a:r>
-          <a:endParaRPr lang="es-ES" sz="2400" b="0" i="0" kern="1200" dirty="0">
-            <a:latin typeface="HP Simplified Light" panose="020B0406020204020204" pitchFamily="34" charset="0"/>
-          </a:endParaRPr>
-        </a:p>
-      </dsp:txBody>
-      <dsp:txXfrm>
-        <a:off x="4348" y="1224669"/>
-        <a:ext cx="2614757" cy="3610318"/>
-      </dsp:txXfrm>
-    </dsp:sp>
-    <dsp:sp modelId="{60381480-67E4-4492-B04B-F33C234C9C0E}">
-      <dsp:nvSpPr>
-        <dsp:cNvPr id="0" name=""/>
-        <dsp:cNvSpPr/>
-      </dsp:nvSpPr>
-      <dsp:spPr>
-        <a:xfrm>
-          <a:off x="2985171" y="178766"/>
-          <a:ext cx="2614757" cy="1045902"/>
-        </a:xfrm>
-        <a:prstGeom prst="rect">
-          <a:avLst/>
-        </a:prstGeom>
-        <a:solidFill>
-          <a:schemeClr val="accent5">
-            <a:hueOff val="-2451115"/>
-            <a:satOff val="-3409"/>
-            <a:lumOff val="-1307"/>
-            <a:alphaOff val="0"/>
-          </a:schemeClr>
-        </a:solidFill>
-        <a:ln w="12700" cap="flat" cmpd="sng" algn="ctr">
-          <a:solidFill>
-            <a:schemeClr val="accent5">
-              <a:hueOff val="-2451115"/>
-              <a:satOff val="-3409"/>
-              <a:lumOff val="-1307"/>
-              <a:alphaOff val="0"/>
-            </a:schemeClr>
-          </a:solidFill>
-          <a:prstDash val="solid"/>
-          <a:miter lim="800000"/>
-        </a:ln>
-        <a:effectLst/>
-      </dsp:spPr>
-      <dsp:style>
-        <a:lnRef idx="2">
-          <a:scrgbClr r="0" g="0" b="0"/>
-        </a:lnRef>
-        <a:fillRef idx="1">
-          <a:scrgbClr r="0" g="0" b="0"/>
-        </a:fillRef>
-        <a:effectRef idx="0">
-          <a:scrgbClr r="0" g="0" b="0"/>
-        </a:effectRef>
-        <a:fontRef idx="minor">
-          <a:schemeClr val="lt1"/>
-        </a:fontRef>
-      </dsp:style>
-      <dsp:txBody>
-        <a:bodyPr spcFirstLastPara="0" vert="horz" wrap="square" lIns="170688" tIns="97536" rIns="170688" bIns="97536" numCol="1" spcCol="1270" anchor="ctr" anchorCtr="0">
-          <a:noAutofit/>
-        </a:bodyPr>
-        <a:lstStyle/>
-        <a:p>
-          <a:pPr lvl="0" algn="ctr" defTabSz="1066800">
-            <a:lnSpc>
-              <a:spcPct val="90000"/>
-            </a:lnSpc>
-            <a:spcBef>
-              <a:spcPct val="0"/>
-            </a:spcBef>
-            <a:spcAft>
-              <a:spcPct val="35000"/>
-            </a:spcAft>
-          </a:pPr>
-          <a:r>
-            <a:rPr lang="es-ES" sz="2400" kern="1200" dirty="0">
-              <a:latin typeface="HP Simplified Light" panose="020B0406020204020204" pitchFamily="34" charset="0"/>
-            </a:rPr>
-            <a:t>SERIE</a:t>
-          </a:r>
-        </a:p>
-      </dsp:txBody>
-      <dsp:txXfrm>
-        <a:off x="2985171" y="178766"/>
-        <a:ext cx="2614757" cy="1045902"/>
-      </dsp:txXfrm>
-    </dsp:sp>
-    <dsp:sp modelId="{3013E8AE-F76C-4B8A-BDC0-EB486C4562D8}">
-      <dsp:nvSpPr>
-        <dsp:cNvPr id="0" name=""/>
-        <dsp:cNvSpPr/>
-      </dsp:nvSpPr>
-      <dsp:spPr>
-        <a:xfrm>
-          <a:off x="2985171" y="1224669"/>
-          <a:ext cx="2614757" cy="3610318"/>
-        </a:xfrm>
-        <a:prstGeom prst="rect">
-          <a:avLst/>
-        </a:prstGeom>
-        <a:solidFill>
-          <a:schemeClr val="accent5">
-            <a:tint val="40000"/>
-            <a:alpha val="90000"/>
-            <a:hueOff val="-2463918"/>
-            <a:satOff val="-4272"/>
-            <a:lumOff val="-430"/>
-            <a:alphaOff val="0"/>
-          </a:schemeClr>
-        </a:solidFill>
-        <a:ln w="12700" cap="flat" cmpd="sng" algn="ctr">
-          <a:solidFill>
-            <a:schemeClr val="accent5">
-              <a:tint val="40000"/>
-              <a:alpha val="90000"/>
-              <a:hueOff val="-2463918"/>
-              <a:satOff val="-4272"/>
-              <a:lumOff val="-430"/>
-              <a:alphaOff val="0"/>
-            </a:schemeClr>
-          </a:solidFill>
-          <a:prstDash val="solid"/>
-          <a:miter lim="800000"/>
-        </a:ln>
-        <a:effectLst/>
-      </dsp:spPr>
-      <dsp:style>
-        <a:lnRef idx="2">
-          <a:scrgbClr r="0" g="0" b="0"/>
-        </a:lnRef>
-        <a:fillRef idx="1">
-          <a:scrgbClr r="0" g="0" b="0"/>
-        </a:fillRef>
-        <a:effectRef idx="0">
-          <a:scrgbClr r="0" g="0" b="0"/>
-        </a:effectRef>
-        <a:fontRef idx="minor"/>
-      </dsp:style>
-      <dsp:txBody>
-        <a:bodyPr spcFirstLastPara="0" vert="horz" wrap="square" lIns="128016" tIns="128016" rIns="170688" bIns="192024" numCol="1" spcCol="1270" anchor="t" anchorCtr="0">
-          <a:noAutofit/>
-        </a:bodyPr>
-        <a:lstStyle/>
-        <a:p>
-          <a:pPr marL="228600" lvl="1" indent="-228600" algn="l" defTabSz="1066800">
-            <a:lnSpc>
-              <a:spcPct val="90000"/>
-            </a:lnSpc>
-            <a:spcBef>
-              <a:spcPct val="0"/>
-            </a:spcBef>
-            <a:spcAft>
-              <a:spcPct val="15000"/>
-            </a:spcAft>
-            <a:buChar char="••"/>
-          </a:pPr>
-          <a:r>
-            <a:rPr lang="es-ES" sz="2400" b="1" kern="1200" dirty="0" smtClean="0">
-              <a:latin typeface="HP Simplified Light" panose="020B0406020204020204" pitchFamily="34" charset="0"/>
-            </a:rPr>
-            <a:t>id</a:t>
-          </a:r>
-          <a:endParaRPr lang="es-ES" sz="2400" b="1" kern="1200" dirty="0">
-            <a:latin typeface="HP Simplified Light" panose="020B0406020204020204" pitchFamily="34" charset="0"/>
-          </a:endParaRPr>
-        </a:p>
-        <a:p>
-          <a:pPr marL="228600" lvl="1" indent="-228600" algn="l" defTabSz="1066800">
-            <a:lnSpc>
-              <a:spcPct val="90000"/>
-            </a:lnSpc>
-            <a:spcBef>
-              <a:spcPct val="0"/>
-            </a:spcBef>
-            <a:spcAft>
-              <a:spcPct val="15000"/>
-            </a:spcAft>
-            <a:buChar char="••"/>
-          </a:pPr>
-          <a:r>
-            <a:rPr lang="es-ES" sz="2400" b="1" kern="1200" dirty="0" err="1" smtClean="0">
-              <a:latin typeface="HP Simplified Light" panose="020B0406020204020204" pitchFamily="34" charset="0"/>
-            </a:rPr>
-            <a:t>titutlo</a:t>
-          </a:r>
-          <a:endParaRPr lang="es-ES" sz="2400" b="1" kern="1200" dirty="0">
-            <a:latin typeface="HP Simplified Light" panose="020B0406020204020204" pitchFamily="34" charset="0"/>
-          </a:endParaRPr>
-        </a:p>
-        <a:p>
-          <a:pPr marL="228600" lvl="1" indent="-228600" algn="l" defTabSz="1066800">
-            <a:lnSpc>
-              <a:spcPct val="90000"/>
-            </a:lnSpc>
-            <a:spcBef>
-              <a:spcPct val="0"/>
-            </a:spcBef>
-            <a:spcAft>
-              <a:spcPct val="15000"/>
-            </a:spcAft>
-            <a:buChar char="••"/>
-          </a:pPr>
-          <a:r>
-            <a:rPr lang="es-ES" sz="2400" b="1" i="0" kern="1200" dirty="0" smtClean="0">
-              <a:latin typeface="HP Simplified Light" panose="020B0406020204020204" pitchFamily="34" charset="0"/>
-            </a:rPr>
-            <a:t>genero</a:t>
-          </a:r>
-          <a:endParaRPr lang="es-ES" sz="2400" b="1" i="0" kern="1200" dirty="0">
-            <a:latin typeface="HP Simplified Light" panose="020B0406020204020204" pitchFamily="34" charset="0"/>
-          </a:endParaRPr>
-        </a:p>
-        <a:p>
-          <a:pPr marL="228600" lvl="1" indent="-228600" algn="l" defTabSz="1066800">
-            <a:lnSpc>
-              <a:spcPct val="90000"/>
-            </a:lnSpc>
-            <a:spcBef>
-              <a:spcPct val="0"/>
-            </a:spcBef>
-            <a:spcAft>
-              <a:spcPct val="15000"/>
-            </a:spcAft>
-            <a:buChar char="••"/>
-          </a:pPr>
-          <a:r>
-            <a:rPr lang="es-ES" sz="2400" b="1" i="0" kern="1200" dirty="0" smtClean="0">
-              <a:latin typeface="HP Simplified Light" panose="020B0406020204020204" pitchFamily="34" charset="0"/>
-            </a:rPr>
-            <a:t>autor</a:t>
-          </a:r>
-          <a:endParaRPr lang="es-ES" sz="2400" b="1" i="0" kern="1200" dirty="0">
-            <a:latin typeface="HP Simplified Light" panose="020B0406020204020204" pitchFamily="34" charset="0"/>
-          </a:endParaRPr>
-        </a:p>
-        <a:p>
-          <a:pPr marL="228600" lvl="1" indent="-228600" algn="l" defTabSz="1066800">
-            <a:lnSpc>
-              <a:spcPct val="90000"/>
-            </a:lnSpc>
-            <a:spcBef>
-              <a:spcPct val="0"/>
-            </a:spcBef>
-            <a:spcAft>
-              <a:spcPct val="15000"/>
-            </a:spcAft>
-            <a:buChar char="••"/>
-          </a:pPr>
-          <a:r>
-            <a:rPr lang="es-ES" sz="2400" b="1" kern="1200" dirty="0" err="1" smtClean="0">
-              <a:latin typeface="HP Simplified Light" panose="020B0406020204020204" pitchFamily="34" charset="0"/>
-            </a:rPr>
-            <a:t>duracion</a:t>
-          </a:r>
-          <a:endParaRPr lang="es-ES" sz="2400" b="1" kern="1200" dirty="0">
-            <a:latin typeface="HP Simplified Light" panose="020B0406020204020204" pitchFamily="34" charset="0"/>
-          </a:endParaRPr>
-        </a:p>
-        <a:p>
-          <a:pPr marL="228600" lvl="1" indent="-228600" algn="l" defTabSz="1066800">
-            <a:lnSpc>
-              <a:spcPct val="90000"/>
-            </a:lnSpc>
-            <a:spcBef>
-              <a:spcPct val="0"/>
-            </a:spcBef>
-            <a:spcAft>
-              <a:spcPct val="15000"/>
-            </a:spcAft>
-            <a:buChar char="••"/>
-          </a:pPr>
-          <a:r>
-            <a:rPr lang="es-ES" sz="2400" b="1" kern="1200" dirty="0" smtClean="0">
-              <a:latin typeface="HP Simplified Light" panose="020B0406020204020204" pitchFamily="34" charset="0"/>
-            </a:rPr>
-            <a:t>año</a:t>
-          </a:r>
-          <a:endParaRPr lang="es-ES" sz="2400" b="1" kern="1200" dirty="0">
-            <a:latin typeface="HP Simplified Light" panose="020B0406020204020204" pitchFamily="34" charset="0"/>
-          </a:endParaRPr>
-        </a:p>
-        <a:p>
-          <a:pPr marL="228600" lvl="1" indent="-228600" algn="l" defTabSz="1066800">
-            <a:lnSpc>
-              <a:spcPct val="90000"/>
-            </a:lnSpc>
-            <a:spcBef>
-              <a:spcPct val="0"/>
-            </a:spcBef>
-            <a:spcAft>
-              <a:spcPct val="15000"/>
-            </a:spcAft>
-            <a:buChar char="••"/>
-          </a:pPr>
-          <a:r>
-            <a:rPr lang="es-ES" sz="2400" b="1" kern="1200" dirty="0">
-              <a:latin typeface="HP Simplified Light" panose="020B0406020204020204" pitchFamily="34" charset="0"/>
-            </a:rPr>
-            <a:t>visto</a:t>
-          </a:r>
-        </a:p>
-        <a:p>
-          <a:pPr marL="228600" lvl="1" indent="-228600" algn="l" defTabSz="1066800">
-            <a:lnSpc>
-              <a:spcPct val="90000"/>
-            </a:lnSpc>
-            <a:spcBef>
-              <a:spcPct val="0"/>
-            </a:spcBef>
-            <a:spcAft>
-              <a:spcPct val="15000"/>
-            </a:spcAft>
-            <a:buChar char="••"/>
-          </a:pPr>
-          <a:r>
-            <a:rPr lang="es-ES" sz="2400" b="0" kern="1200" dirty="0" err="1">
-              <a:latin typeface="HP Simplified Light" panose="020B0406020204020204" pitchFamily="34" charset="0"/>
-            </a:rPr>
-            <a:t>noTemporadas</a:t>
-          </a:r>
-          <a:endParaRPr lang="es-ES" sz="2400" b="0" kern="1200" dirty="0">
-            <a:latin typeface="HP Simplified Light" panose="020B0406020204020204" pitchFamily="34" charset="0"/>
-          </a:endParaRPr>
-        </a:p>
-        <a:p>
-          <a:pPr marL="228600" lvl="1" indent="-228600" algn="l" defTabSz="1066800">
-            <a:lnSpc>
-              <a:spcPct val="90000"/>
-            </a:lnSpc>
-            <a:spcBef>
-              <a:spcPct val="0"/>
-            </a:spcBef>
-            <a:spcAft>
-              <a:spcPct val="15000"/>
-            </a:spcAft>
-            <a:buChar char="••"/>
-          </a:pPr>
-          <a:r>
-            <a:rPr lang="es-ES" sz="2400" b="0" kern="1200" dirty="0" err="1">
-              <a:latin typeface="HP Simplified Light" panose="020B0406020204020204" pitchFamily="34" charset="0"/>
-            </a:rPr>
-            <a:t>noCapitulos</a:t>
-          </a:r>
-          <a:endParaRPr lang="es-ES" sz="2400" b="0" kern="1200" dirty="0">
-            <a:latin typeface="HP Simplified Light" panose="020B0406020204020204" pitchFamily="34" charset="0"/>
-          </a:endParaRPr>
-        </a:p>
-      </dsp:txBody>
-      <dsp:txXfrm>
-        <a:off x="2985171" y="1224669"/>
-        <a:ext cx="2614757" cy="3610318"/>
-      </dsp:txXfrm>
-    </dsp:sp>
-    <dsp:sp modelId="{A1CAB5DF-0E99-4BEC-9C09-B1E3876F747D}">
-      <dsp:nvSpPr>
-        <dsp:cNvPr id="0" name=""/>
-        <dsp:cNvSpPr/>
-      </dsp:nvSpPr>
-      <dsp:spPr>
-        <a:xfrm>
-          <a:off x="5965995" y="178766"/>
-          <a:ext cx="2614757" cy="1045902"/>
-        </a:xfrm>
-        <a:prstGeom prst="rect">
-          <a:avLst/>
-        </a:prstGeom>
-        <a:solidFill>
-          <a:schemeClr val="accent5">
-            <a:hueOff val="-4902230"/>
-            <a:satOff val="-6819"/>
-            <a:lumOff val="-2615"/>
-            <a:alphaOff val="0"/>
-          </a:schemeClr>
-        </a:solidFill>
-        <a:ln w="12700" cap="flat" cmpd="sng" algn="ctr">
-          <a:solidFill>
-            <a:schemeClr val="accent5">
-              <a:hueOff val="-4902230"/>
-              <a:satOff val="-6819"/>
-              <a:lumOff val="-2615"/>
-              <a:alphaOff val="0"/>
-            </a:schemeClr>
-          </a:solidFill>
-          <a:prstDash val="solid"/>
-          <a:miter lim="800000"/>
-        </a:ln>
-        <a:effectLst/>
-      </dsp:spPr>
-      <dsp:style>
-        <a:lnRef idx="2">
-          <a:scrgbClr r="0" g="0" b="0"/>
-        </a:lnRef>
-        <a:fillRef idx="1">
-          <a:scrgbClr r="0" g="0" b="0"/>
-        </a:fillRef>
-        <a:effectRef idx="0">
-          <a:scrgbClr r="0" g="0" b="0"/>
-        </a:effectRef>
-        <a:fontRef idx="minor">
-          <a:schemeClr val="lt1"/>
-        </a:fontRef>
-      </dsp:style>
-      <dsp:txBody>
-        <a:bodyPr spcFirstLastPara="0" vert="horz" wrap="square" lIns="170688" tIns="97536" rIns="170688" bIns="97536" numCol="1" spcCol="1270" anchor="ctr" anchorCtr="0">
-          <a:noAutofit/>
-        </a:bodyPr>
-        <a:lstStyle/>
-        <a:p>
-          <a:pPr lvl="0" algn="ctr" defTabSz="1066800">
-            <a:lnSpc>
-              <a:spcPct val="90000"/>
-            </a:lnSpc>
-            <a:spcBef>
-              <a:spcPct val="0"/>
-            </a:spcBef>
-            <a:spcAft>
-              <a:spcPct val="35000"/>
-            </a:spcAft>
-          </a:pPr>
-          <a:r>
-            <a:rPr lang="es-ES" sz="2400" kern="1200">
-              <a:latin typeface="HP Simplified Light" panose="020B0406020204020204" pitchFamily="34" charset="0"/>
-            </a:rPr>
-            <a:t>LIBRO</a:t>
-          </a:r>
-        </a:p>
-      </dsp:txBody>
-      <dsp:txXfrm>
-        <a:off x="5965995" y="178766"/>
-        <a:ext cx="2614757" cy="1045902"/>
-      </dsp:txXfrm>
-    </dsp:sp>
-    <dsp:sp modelId="{3C7F2744-8691-409F-B0F3-D1808840ED64}">
-      <dsp:nvSpPr>
-        <dsp:cNvPr id="0" name=""/>
-        <dsp:cNvSpPr/>
-      </dsp:nvSpPr>
-      <dsp:spPr>
-        <a:xfrm>
-          <a:off x="5965995" y="1224669"/>
-          <a:ext cx="2614757" cy="3610318"/>
-        </a:xfrm>
-        <a:prstGeom prst="rect">
-          <a:avLst/>
-        </a:prstGeom>
-        <a:solidFill>
-          <a:schemeClr val="accent5">
-            <a:tint val="40000"/>
-            <a:alpha val="90000"/>
-            <a:hueOff val="-4927837"/>
-            <a:satOff val="-8544"/>
-            <a:lumOff val="-859"/>
-            <a:alphaOff val="0"/>
-          </a:schemeClr>
-        </a:solidFill>
-        <a:ln w="12700" cap="flat" cmpd="sng" algn="ctr">
-          <a:solidFill>
-            <a:schemeClr val="accent5">
-              <a:tint val="40000"/>
-              <a:alpha val="90000"/>
-              <a:hueOff val="-4927837"/>
-              <a:satOff val="-8544"/>
-              <a:lumOff val="-859"/>
-              <a:alphaOff val="0"/>
-            </a:schemeClr>
-          </a:solidFill>
-          <a:prstDash val="solid"/>
-          <a:miter lim="800000"/>
-        </a:ln>
-        <a:effectLst/>
-      </dsp:spPr>
-      <dsp:style>
-        <a:lnRef idx="2">
-          <a:scrgbClr r="0" g="0" b="0"/>
-        </a:lnRef>
-        <a:fillRef idx="1">
-          <a:scrgbClr r="0" g="0" b="0"/>
-        </a:fillRef>
-        <a:effectRef idx="0">
-          <a:scrgbClr r="0" g="0" b="0"/>
-        </a:effectRef>
-        <a:fontRef idx="minor"/>
-      </dsp:style>
-      <dsp:txBody>
-        <a:bodyPr spcFirstLastPara="0" vert="horz" wrap="square" lIns="128016" tIns="128016" rIns="170688" bIns="192024" numCol="1" spcCol="1270" anchor="t" anchorCtr="0">
-          <a:noAutofit/>
-        </a:bodyPr>
-        <a:lstStyle/>
-        <a:p>
-          <a:pPr marL="228600" lvl="1" indent="-228600" algn="l" defTabSz="1066800">
-            <a:lnSpc>
-              <a:spcPct val="90000"/>
-            </a:lnSpc>
-            <a:spcBef>
-              <a:spcPct val="0"/>
-            </a:spcBef>
-            <a:spcAft>
-              <a:spcPct val="15000"/>
-            </a:spcAft>
-            <a:buChar char="••"/>
-          </a:pPr>
-          <a:r>
-            <a:rPr lang="es-ES" sz="2400" b="1" kern="1200" dirty="0">
-              <a:latin typeface="HP Simplified Light" panose="020B0406020204020204" pitchFamily="34" charset="0"/>
-            </a:rPr>
-            <a:t>id</a:t>
-          </a:r>
-        </a:p>
-        <a:p>
-          <a:pPr marL="228600" lvl="1" indent="-228600" algn="l" defTabSz="1066800">
-            <a:lnSpc>
-              <a:spcPct val="90000"/>
-            </a:lnSpc>
-            <a:spcBef>
-              <a:spcPct val="0"/>
-            </a:spcBef>
-            <a:spcAft>
-              <a:spcPct val="15000"/>
-            </a:spcAft>
-            <a:buChar char="••"/>
-          </a:pPr>
-          <a:r>
-            <a:rPr lang="es-ES" sz="2400" b="1" kern="1200" dirty="0">
-              <a:latin typeface="HP Simplified Light" panose="020B0406020204020204" pitchFamily="34" charset="0"/>
-            </a:rPr>
-            <a:t>titulo</a:t>
-          </a:r>
-        </a:p>
-        <a:p>
-          <a:pPr marL="228600" lvl="1" indent="-228600" algn="l" defTabSz="1066800">
-            <a:lnSpc>
-              <a:spcPct val="90000"/>
-            </a:lnSpc>
-            <a:spcBef>
-              <a:spcPct val="0"/>
-            </a:spcBef>
-            <a:spcAft>
-              <a:spcPct val="15000"/>
-            </a:spcAft>
-            <a:buChar char="••"/>
-          </a:pPr>
-          <a:r>
-            <a:rPr lang="es-ES" sz="2400" b="1" kern="1200" dirty="0">
-              <a:latin typeface="HP Simplified Light" panose="020B0406020204020204" pitchFamily="34" charset="0"/>
-            </a:rPr>
-            <a:t>autores</a:t>
-          </a:r>
-        </a:p>
-        <a:p>
-          <a:pPr marL="228600" lvl="1" indent="-228600" algn="l" defTabSz="1066800">
-            <a:lnSpc>
-              <a:spcPct val="90000"/>
-            </a:lnSpc>
-            <a:spcBef>
-              <a:spcPct val="0"/>
-            </a:spcBef>
-            <a:spcAft>
-              <a:spcPct val="15000"/>
-            </a:spcAft>
-            <a:buChar char="••"/>
-          </a:pPr>
-          <a:r>
-            <a:rPr lang="es-ES" sz="2400" b="1" kern="1200" dirty="0">
-              <a:latin typeface="HP Simplified Light" panose="020B0406020204020204" pitchFamily="34" charset="0"/>
-            </a:rPr>
-            <a:t>editorial</a:t>
-          </a:r>
-        </a:p>
-        <a:p>
-          <a:pPr marL="228600" lvl="1" indent="-228600" algn="l" defTabSz="1066800">
-            <a:lnSpc>
-              <a:spcPct val="90000"/>
-            </a:lnSpc>
-            <a:spcBef>
-              <a:spcPct val="0"/>
-            </a:spcBef>
-            <a:spcAft>
-              <a:spcPct val="15000"/>
-            </a:spcAft>
-            <a:buChar char="••"/>
-          </a:pPr>
-          <a:r>
-            <a:rPr lang="es-ES" sz="2400" b="1" kern="1200" dirty="0" err="1">
-              <a:latin typeface="HP Simplified Light" panose="020B0406020204020204" pitchFamily="34" charset="0"/>
-            </a:rPr>
-            <a:t>añoEdicion</a:t>
-          </a:r>
-          <a:endParaRPr lang="es-ES" sz="2400" b="1" kern="1200" dirty="0">
-            <a:latin typeface="HP Simplified Light" panose="020B0406020204020204" pitchFamily="34" charset="0"/>
-          </a:endParaRPr>
-        </a:p>
-        <a:p>
-          <a:pPr marL="228600" lvl="1" indent="-228600" algn="l" defTabSz="1066800">
-            <a:lnSpc>
-              <a:spcPct val="90000"/>
-            </a:lnSpc>
-            <a:spcBef>
-              <a:spcPct val="0"/>
-            </a:spcBef>
-            <a:spcAft>
-              <a:spcPct val="15000"/>
-            </a:spcAft>
-            <a:buChar char="••"/>
-          </a:pPr>
-          <a:r>
-            <a:rPr lang="es-ES" sz="2400" b="0" kern="1200" dirty="0" err="1">
-              <a:latin typeface="HP Simplified Light" panose="020B0406020204020204" pitchFamily="34" charset="0"/>
-            </a:rPr>
-            <a:t>isbn</a:t>
-          </a:r>
-          <a:endParaRPr lang="es-ES" sz="2400" b="0" kern="1200" dirty="0">
-            <a:latin typeface="HP Simplified Light" panose="020B0406020204020204" pitchFamily="34" charset="0"/>
-          </a:endParaRPr>
-        </a:p>
-        <a:p>
-          <a:pPr marL="228600" lvl="1" indent="-228600" algn="l" defTabSz="1066800">
-            <a:lnSpc>
-              <a:spcPct val="90000"/>
-            </a:lnSpc>
-            <a:spcBef>
-              <a:spcPct val="0"/>
-            </a:spcBef>
-            <a:spcAft>
-              <a:spcPct val="15000"/>
-            </a:spcAft>
-            <a:buChar char="••"/>
-          </a:pPr>
-          <a:r>
-            <a:rPr lang="es-ES" sz="2400" b="0" kern="1200" dirty="0" err="1">
-              <a:latin typeface="HP Simplified Light" panose="020B0406020204020204" pitchFamily="34" charset="0"/>
-            </a:rPr>
-            <a:t>leido</a:t>
-          </a:r>
-          <a:endParaRPr lang="es-ES" sz="2400" b="0" kern="1200" dirty="0">
-            <a:latin typeface="HP Simplified Light" panose="020B0406020204020204" pitchFamily="34" charset="0"/>
-          </a:endParaRPr>
-        </a:p>
-        <a:p>
-          <a:pPr marL="228600" lvl="1" indent="-228600" algn="l" defTabSz="1066800">
-            <a:lnSpc>
-              <a:spcPct val="90000"/>
-            </a:lnSpc>
-            <a:spcBef>
-              <a:spcPct val="0"/>
-            </a:spcBef>
-            <a:spcAft>
-              <a:spcPct val="15000"/>
-            </a:spcAft>
-            <a:buChar char="••"/>
-          </a:pPr>
-          <a:r>
-            <a:rPr lang="es-ES" sz="2400" b="0" kern="1200" dirty="0" err="1">
-              <a:latin typeface="HP Simplified Light" panose="020B0406020204020204" pitchFamily="34" charset="0"/>
-            </a:rPr>
-            <a:t>tiempoLeido</a:t>
-          </a:r>
-          <a:endParaRPr lang="es-ES" sz="2400" b="0" kern="1200" dirty="0">
-            <a:latin typeface="HP Simplified Light" panose="020B0406020204020204" pitchFamily="34" charset="0"/>
-          </a:endParaRPr>
-        </a:p>
-      </dsp:txBody>
-      <dsp:txXfrm>
-        <a:off x="5965995" y="1224669"/>
-        <a:ext cx="2614757" cy="3610318"/>
-      </dsp:txXfrm>
-    </dsp:sp>
-    <dsp:sp modelId="{CBA7C0C3-275F-4B0B-834D-2C7A0547E57D}">
-      <dsp:nvSpPr>
-        <dsp:cNvPr id="0" name=""/>
-        <dsp:cNvSpPr/>
-      </dsp:nvSpPr>
-      <dsp:spPr>
-        <a:xfrm>
-          <a:off x="8946818" y="178766"/>
-          <a:ext cx="2614757" cy="1045902"/>
-        </a:xfrm>
-        <a:prstGeom prst="rect">
-          <a:avLst/>
-        </a:prstGeom>
-        <a:solidFill>
-          <a:schemeClr val="accent5">
-            <a:hueOff val="-7353344"/>
-            <a:satOff val="-10228"/>
-            <a:lumOff val="-3922"/>
-            <a:alphaOff val="0"/>
-          </a:schemeClr>
-        </a:solidFill>
-        <a:ln w="12700" cap="flat" cmpd="sng" algn="ctr">
-          <a:solidFill>
-            <a:schemeClr val="accent5">
-              <a:hueOff val="-7353344"/>
-              <a:satOff val="-10228"/>
-              <a:lumOff val="-3922"/>
-              <a:alphaOff val="0"/>
-            </a:schemeClr>
-          </a:solidFill>
-          <a:prstDash val="solid"/>
-          <a:miter lim="800000"/>
-        </a:ln>
-        <a:effectLst/>
-      </dsp:spPr>
-      <dsp:style>
-        <a:lnRef idx="2">
-          <a:scrgbClr r="0" g="0" b="0"/>
-        </a:lnRef>
-        <a:fillRef idx="1">
-          <a:scrgbClr r="0" g="0" b="0"/>
-        </a:fillRef>
-        <a:effectRef idx="0">
-          <a:scrgbClr r="0" g="0" b="0"/>
-        </a:effectRef>
-        <a:fontRef idx="minor">
-          <a:schemeClr val="lt1"/>
-        </a:fontRef>
-      </dsp:style>
-      <dsp:txBody>
-        <a:bodyPr spcFirstLastPara="0" vert="horz" wrap="square" lIns="170688" tIns="97536" rIns="170688" bIns="97536" numCol="1" spcCol="1270" anchor="ctr" anchorCtr="0">
-          <a:noAutofit/>
-        </a:bodyPr>
-        <a:lstStyle/>
-        <a:p>
-          <a:pPr lvl="0" algn="ctr" defTabSz="1066800">
-            <a:lnSpc>
-              <a:spcPct val="90000"/>
-            </a:lnSpc>
-            <a:spcBef>
-              <a:spcPct val="0"/>
-            </a:spcBef>
-            <a:spcAft>
-              <a:spcPct val="35000"/>
-            </a:spcAft>
-          </a:pPr>
-          <a:r>
-            <a:rPr lang="es-ES" sz="2400" kern="1200">
-              <a:latin typeface="HP Simplified Light" panose="020B0406020204020204" pitchFamily="34" charset="0"/>
-            </a:rPr>
-            <a:t>REVISTA</a:t>
-          </a:r>
-        </a:p>
-      </dsp:txBody>
-      <dsp:txXfrm>
-        <a:off x="8946818" y="178766"/>
-        <a:ext cx="2614757" cy="1045902"/>
-      </dsp:txXfrm>
-    </dsp:sp>
-    <dsp:sp modelId="{97BA57E8-55DB-426E-B9DB-AA82422A1AC7}">
-      <dsp:nvSpPr>
-        <dsp:cNvPr id="0" name=""/>
-        <dsp:cNvSpPr/>
-      </dsp:nvSpPr>
-      <dsp:spPr>
-        <a:xfrm>
-          <a:off x="8946818" y="1224669"/>
-          <a:ext cx="2614757" cy="3610318"/>
-        </a:xfrm>
-        <a:prstGeom prst="rect">
-          <a:avLst/>
-        </a:prstGeom>
-        <a:solidFill>
-          <a:schemeClr val="accent5">
-            <a:tint val="40000"/>
-            <a:alpha val="90000"/>
-            <a:hueOff val="-7391755"/>
-            <a:satOff val="-12816"/>
-            <a:lumOff val="-1289"/>
-            <a:alphaOff val="0"/>
-          </a:schemeClr>
-        </a:solidFill>
-        <a:ln w="12700" cap="flat" cmpd="sng" algn="ctr">
-          <a:solidFill>
-            <a:schemeClr val="accent5">
-              <a:tint val="40000"/>
-              <a:alpha val="90000"/>
-              <a:hueOff val="-7391755"/>
-              <a:satOff val="-12816"/>
-              <a:lumOff val="-1289"/>
-              <a:alphaOff val="0"/>
-            </a:schemeClr>
-          </a:solidFill>
-          <a:prstDash val="solid"/>
-          <a:miter lim="800000"/>
-        </a:ln>
-        <a:effectLst/>
-      </dsp:spPr>
-      <dsp:style>
-        <a:lnRef idx="2">
-          <a:scrgbClr r="0" g="0" b="0"/>
-        </a:lnRef>
-        <a:fillRef idx="1">
-          <a:scrgbClr r="0" g="0" b="0"/>
-        </a:fillRef>
-        <a:effectRef idx="0">
-          <a:scrgbClr r="0" g="0" b="0"/>
-        </a:effectRef>
-        <a:fontRef idx="minor"/>
-      </dsp:style>
-      <dsp:txBody>
-        <a:bodyPr spcFirstLastPara="0" vert="horz" wrap="square" lIns="128016" tIns="128016" rIns="170688" bIns="192024" numCol="1" spcCol="1270" anchor="t" anchorCtr="0">
-          <a:noAutofit/>
-        </a:bodyPr>
-        <a:lstStyle/>
-        <a:p>
-          <a:pPr marL="228600" lvl="1" indent="-228600" algn="l" defTabSz="1066800">
-            <a:lnSpc>
-              <a:spcPct val="90000"/>
-            </a:lnSpc>
-            <a:spcBef>
-              <a:spcPct val="0"/>
-            </a:spcBef>
-            <a:spcAft>
-              <a:spcPct val="15000"/>
-            </a:spcAft>
-            <a:buChar char="••"/>
-          </a:pPr>
-          <a:r>
-            <a:rPr lang="es-ES" sz="2400" b="1" kern="1200" dirty="0">
-              <a:latin typeface="HP Simplified Light" panose="020B0406020204020204" pitchFamily="34" charset="0"/>
-            </a:rPr>
-            <a:t>id</a:t>
-          </a:r>
-        </a:p>
-        <a:p>
-          <a:pPr marL="228600" lvl="1" indent="-228600" algn="l" defTabSz="1066800">
-            <a:lnSpc>
-              <a:spcPct val="90000"/>
-            </a:lnSpc>
-            <a:spcBef>
-              <a:spcPct val="0"/>
-            </a:spcBef>
-            <a:spcAft>
-              <a:spcPct val="15000"/>
-            </a:spcAft>
-            <a:buChar char="••"/>
-          </a:pPr>
-          <a:r>
-            <a:rPr lang="es-ES" sz="2400" b="1" kern="1200" dirty="0">
-              <a:latin typeface="HP Simplified Light" panose="020B0406020204020204" pitchFamily="34" charset="0"/>
-            </a:rPr>
-            <a:t>titulo</a:t>
-          </a:r>
-        </a:p>
-        <a:p>
-          <a:pPr marL="228600" lvl="1" indent="-228600" algn="l" defTabSz="1066800">
-            <a:lnSpc>
-              <a:spcPct val="90000"/>
-            </a:lnSpc>
-            <a:spcBef>
-              <a:spcPct val="0"/>
-            </a:spcBef>
-            <a:spcAft>
-              <a:spcPct val="15000"/>
-            </a:spcAft>
-            <a:buChar char="••"/>
-          </a:pPr>
-          <a:r>
-            <a:rPr lang="es-ES" sz="2400" b="1" kern="1200" dirty="0" err="1">
-              <a:latin typeface="HP Simplified Light" panose="020B0406020204020204" pitchFamily="34" charset="0"/>
-            </a:rPr>
-            <a:t>añoEdicion</a:t>
-          </a:r>
-          <a:endParaRPr lang="es-ES" sz="2400" b="1" kern="1200" dirty="0">
-            <a:latin typeface="HP Simplified Light" panose="020B0406020204020204" pitchFamily="34" charset="0"/>
-          </a:endParaRPr>
-        </a:p>
-        <a:p>
-          <a:pPr marL="228600" lvl="1" indent="-228600" algn="l" defTabSz="1066800">
-            <a:lnSpc>
-              <a:spcPct val="90000"/>
-            </a:lnSpc>
-            <a:spcBef>
-              <a:spcPct val="0"/>
-            </a:spcBef>
-            <a:spcAft>
-              <a:spcPct val="15000"/>
-            </a:spcAft>
-            <a:buChar char="••"/>
-          </a:pPr>
-          <a:r>
-            <a:rPr lang="es-ES" sz="2400" b="1" kern="1200" dirty="0">
-              <a:latin typeface="HP Simplified Light" panose="020B0406020204020204" pitchFamily="34" charset="0"/>
-            </a:rPr>
-            <a:t>autores</a:t>
-          </a:r>
-        </a:p>
-        <a:p>
-          <a:pPr marL="228600" lvl="1" indent="-228600" algn="l" defTabSz="1066800">
-            <a:lnSpc>
-              <a:spcPct val="90000"/>
-            </a:lnSpc>
-            <a:spcBef>
-              <a:spcPct val="0"/>
-            </a:spcBef>
-            <a:spcAft>
-              <a:spcPct val="15000"/>
-            </a:spcAft>
-            <a:buChar char="••"/>
-          </a:pPr>
-          <a:r>
-            <a:rPr lang="es-ES" sz="2400" b="1" kern="1200" dirty="0" smtClean="0">
-              <a:latin typeface="HP Simplified Light" panose="020B0406020204020204" pitchFamily="34" charset="0"/>
-            </a:rPr>
-            <a:t>editorial</a:t>
-          </a:r>
-          <a:endParaRPr lang="es-ES" sz="2400" b="1" kern="1200" dirty="0">
-            <a:latin typeface="HP Simplified Light" panose="020B0406020204020204" pitchFamily="34" charset="0"/>
-          </a:endParaRPr>
-        </a:p>
-      </dsp:txBody>
-      <dsp:txXfrm>
-        <a:off x="8946818" y="1224669"/>
-        <a:ext cx="2614757" cy="3610318"/>
-      </dsp:txXfrm>
-    </dsp:sp>
   </dsp:spTree>
 </dsp:drawing>
 </file>
@@ -17357,716 +14921,6 @@
       <dsp:cNvGrpSpPr/>
     </dsp:nvGrpSpPr>
     <dsp:grpSpPr/>
-    <dsp:sp modelId="{7AB965C8-37D9-4082-8C07-255381E88FC0}">
-      <dsp:nvSpPr>
-        <dsp:cNvPr id="0" name=""/>
-        <dsp:cNvSpPr/>
-      </dsp:nvSpPr>
-      <dsp:spPr>
-        <a:xfrm>
-          <a:off x="4390" y="30646"/>
-          <a:ext cx="2640132" cy="950400"/>
-        </a:xfrm>
-        <a:prstGeom prst="rect">
-          <a:avLst/>
-        </a:prstGeom>
-        <a:solidFill>
-          <a:schemeClr val="accent5">
-            <a:hueOff val="0"/>
-            <a:satOff val="0"/>
-            <a:lumOff val="0"/>
-            <a:alphaOff val="0"/>
-          </a:schemeClr>
-        </a:solidFill>
-        <a:ln w="12700" cap="flat" cmpd="sng" algn="ctr">
-          <a:solidFill>
-            <a:schemeClr val="accent5">
-              <a:hueOff val="0"/>
-              <a:satOff val="0"/>
-              <a:lumOff val="0"/>
-              <a:alphaOff val="0"/>
-            </a:schemeClr>
-          </a:solidFill>
-          <a:prstDash val="solid"/>
-          <a:miter lim="800000"/>
-        </a:ln>
-        <a:effectLst/>
-      </dsp:spPr>
-      <dsp:style>
-        <a:lnRef idx="2">
-          <a:scrgbClr r="0" g="0" b="0"/>
-        </a:lnRef>
-        <a:fillRef idx="1">
-          <a:scrgbClr r="0" g="0" b="0"/>
-        </a:fillRef>
-        <a:effectRef idx="0">
-          <a:scrgbClr r="0" g="0" b="0"/>
-        </a:effectRef>
-        <a:fontRef idx="minor">
-          <a:schemeClr val="lt1"/>
-        </a:fontRef>
-      </dsp:style>
-      <dsp:txBody>
-        <a:bodyPr spcFirstLastPara="0" vert="horz" wrap="square" lIns="170688" tIns="97536" rIns="170688" bIns="97536" numCol="1" spcCol="1270" anchor="ctr" anchorCtr="0">
-          <a:noAutofit/>
-        </a:bodyPr>
-        <a:lstStyle/>
-        <a:p>
-          <a:pPr lvl="0" algn="ctr" defTabSz="1066800">
-            <a:lnSpc>
-              <a:spcPct val="90000"/>
-            </a:lnSpc>
-            <a:spcBef>
-              <a:spcPct val="0"/>
-            </a:spcBef>
-            <a:spcAft>
-              <a:spcPct val="35000"/>
-            </a:spcAft>
-          </a:pPr>
-          <a:r>
-            <a:rPr lang="es-ES" sz="2400" kern="1200" dirty="0">
-              <a:latin typeface="HP Simplified Light" panose="020B0406020204020204" pitchFamily="34" charset="0"/>
-            </a:rPr>
-            <a:t>PELICULA</a:t>
-          </a:r>
-        </a:p>
-      </dsp:txBody>
-      <dsp:txXfrm>
-        <a:off x="4390" y="30646"/>
-        <a:ext cx="2640132" cy="950400"/>
-      </dsp:txXfrm>
-    </dsp:sp>
-    <dsp:sp modelId="{B9BC7F27-FE5B-4F6E-B226-283CCA6322E5}">
-      <dsp:nvSpPr>
-        <dsp:cNvPr id="0" name=""/>
-        <dsp:cNvSpPr/>
-      </dsp:nvSpPr>
-      <dsp:spPr>
-        <a:xfrm>
-          <a:off x="4390" y="981047"/>
-          <a:ext cx="2640132" cy="1449360"/>
-        </a:xfrm>
-        <a:prstGeom prst="rect">
-          <a:avLst/>
-        </a:prstGeom>
-        <a:solidFill>
-          <a:schemeClr val="accent5">
-            <a:tint val="40000"/>
-            <a:alpha val="90000"/>
-            <a:hueOff val="0"/>
-            <a:satOff val="0"/>
-            <a:lumOff val="0"/>
-            <a:alphaOff val="0"/>
-          </a:schemeClr>
-        </a:solidFill>
-        <a:ln w="12700" cap="flat" cmpd="sng" algn="ctr">
-          <a:solidFill>
-            <a:schemeClr val="accent5">
-              <a:tint val="40000"/>
-              <a:alpha val="90000"/>
-              <a:hueOff val="0"/>
-              <a:satOff val="0"/>
-              <a:lumOff val="0"/>
-              <a:alphaOff val="0"/>
-            </a:schemeClr>
-          </a:solidFill>
-          <a:prstDash val="solid"/>
-          <a:miter lim="800000"/>
-        </a:ln>
-        <a:effectLst/>
-      </dsp:spPr>
-      <dsp:style>
-        <a:lnRef idx="2">
-          <a:scrgbClr r="0" g="0" b="0"/>
-        </a:lnRef>
-        <a:fillRef idx="1">
-          <a:scrgbClr r="0" g="0" b="0"/>
-        </a:fillRef>
-        <a:effectRef idx="0">
-          <a:scrgbClr r="0" g="0" b="0"/>
-        </a:effectRef>
-        <a:fontRef idx="minor"/>
-      </dsp:style>
-      <dsp:txBody>
-        <a:bodyPr spcFirstLastPara="0" vert="horz" wrap="square" lIns="128016" tIns="128016" rIns="170688" bIns="192024" numCol="1" spcCol="1270" anchor="t" anchorCtr="0">
-          <a:noAutofit/>
-        </a:bodyPr>
-        <a:lstStyle/>
-        <a:p>
-          <a:pPr marL="228600" lvl="1" indent="-228600" algn="l" defTabSz="1066800">
-            <a:lnSpc>
-              <a:spcPct val="90000"/>
-            </a:lnSpc>
-            <a:spcBef>
-              <a:spcPct val="0"/>
-            </a:spcBef>
-            <a:spcAft>
-              <a:spcPct val="15000"/>
-            </a:spcAft>
-            <a:buChar char="••"/>
-          </a:pPr>
-          <a:r>
-            <a:rPr lang="es-ES" sz="2400" b="0" i="0" kern="1200" dirty="0" err="1" smtClean="0">
-              <a:latin typeface="HP Simplified Light" panose="020B0406020204020204" pitchFamily="34" charset="0"/>
-            </a:rPr>
-            <a:t>tiempoVisto</a:t>
-          </a:r>
-          <a:endParaRPr lang="es-ES" sz="2400" b="1" i="0" kern="1200" dirty="0">
-            <a:latin typeface="HP Simplified Light" panose="020B0406020204020204" pitchFamily="34" charset="0"/>
-          </a:endParaRPr>
-        </a:p>
-      </dsp:txBody>
-      <dsp:txXfrm>
-        <a:off x="4390" y="981047"/>
-        <a:ext cx="2640132" cy="1449360"/>
-      </dsp:txXfrm>
-    </dsp:sp>
-    <dsp:sp modelId="{60381480-67E4-4492-B04B-F33C234C9C0E}">
-      <dsp:nvSpPr>
-        <dsp:cNvPr id="0" name=""/>
-        <dsp:cNvSpPr/>
-      </dsp:nvSpPr>
-      <dsp:spPr>
-        <a:xfrm>
-          <a:off x="3014141" y="30646"/>
-          <a:ext cx="2640132" cy="950400"/>
-        </a:xfrm>
-        <a:prstGeom prst="rect">
-          <a:avLst/>
-        </a:prstGeom>
-        <a:solidFill>
-          <a:schemeClr val="accent5">
-            <a:hueOff val="-2451115"/>
-            <a:satOff val="-3409"/>
-            <a:lumOff val="-1307"/>
-            <a:alphaOff val="0"/>
-          </a:schemeClr>
-        </a:solidFill>
-        <a:ln w="12700" cap="flat" cmpd="sng" algn="ctr">
-          <a:solidFill>
-            <a:schemeClr val="accent5">
-              <a:hueOff val="-2451115"/>
-              <a:satOff val="-3409"/>
-              <a:lumOff val="-1307"/>
-              <a:alphaOff val="0"/>
-            </a:schemeClr>
-          </a:solidFill>
-          <a:prstDash val="solid"/>
-          <a:miter lim="800000"/>
-        </a:ln>
-        <a:effectLst/>
-      </dsp:spPr>
-      <dsp:style>
-        <a:lnRef idx="2">
-          <a:scrgbClr r="0" g="0" b="0"/>
-        </a:lnRef>
-        <a:fillRef idx="1">
-          <a:scrgbClr r="0" g="0" b="0"/>
-        </a:fillRef>
-        <a:effectRef idx="0">
-          <a:scrgbClr r="0" g="0" b="0"/>
-        </a:effectRef>
-        <a:fontRef idx="minor">
-          <a:schemeClr val="lt1"/>
-        </a:fontRef>
-      </dsp:style>
-      <dsp:txBody>
-        <a:bodyPr spcFirstLastPara="0" vert="horz" wrap="square" lIns="170688" tIns="97536" rIns="170688" bIns="97536" numCol="1" spcCol="1270" anchor="ctr" anchorCtr="0">
-          <a:noAutofit/>
-        </a:bodyPr>
-        <a:lstStyle/>
-        <a:p>
-          <a:pPr lvl="0" algn="ctr" defTabSz="1066800">
-            <a:lnSpc>
-              <a:spcPct val="90000"/>
-            </a:lnSpc>
-            <a:spcBef>
-              <a:spcPct val="0"/>
-            </a:spcBef>
-            <a:spcAft>
-              <a:spcPct val="35000"/>
-            </a:spcAft>
-          </a:pPr>
-          <a:r>
-            <a:rPr lang="es-ES" sz="2400" kern="1200" dirty="0">
-              <a:latin typeface="HP Simplified Light" panose="020B0406020204020204" pitchFamily="34" charset="0"/>
-            </a:rPr>
-            <a:t>SERIE</a:t>
-          </a:r>
-        </a:p>
-      </dsp:txBody>
-      <dsp:txXfrm>
-        <a:off x="3014141" y="30646"/>
-        <a:ext cx="2640132" cy="950400"/>
-      </dsp:txXfrm>
-    </dsp:sp>
-    <dsp:sp modelId="{3013E8AE-F76C-4B8A-BDC0-EB486C4562D8}">
-      <dsp:nvSpPr>
-        <dsp:cNvPr id="0" name=""/>
-        <dsp:cNvSpPr/>
-      </dsp:nvSpPr>
-      <dsp:spPr>
-        <a:xfrm>
-          <a:off x="3014141" y="981047"/>
-          <a:ext cx="2640132" cy="1449360"/>
-        </a:xfrm>
-        <a:prstGeom prst="rect">
-          <a:avLst/>
-        </a:prstGeom>
-        <a:solidFill>
-          <a:schemeClr val="accent5">
-            <a:tint val="40000"/>
-            <a:alpha val="90000"/>
-            <a:hueOff val="-2463918"/>
-            <a:satOff val="-4272"/>
-            <a:lumOff val="-430"/>
-            <a:alphaOff val="0"/>
-          </a:schemeClr>
-        </a:solidFill>
-        <a:ln w="12700" cap="flat" cmpd="sng" algn="ctr">
-          <a:solidFill>
-            <a:schemeClr val="accent5">
-              <a:tint val="40000"/>
-              <a:alpha val="90000"/>
-              <a:hueOff val="-2463918"/>
-              <a:satOff val="-4272"/>
-              <a:lumOff val="-430"/>
-              <a:alphaOff val="0"/>
-            </a:schemeClr>
-          </a:solidFill>
-          <a:prstDash val="solid"/>
-          <a:miter lim="800000"/>
-        </a:ln>
-        <a:effectLst/>
-      </dsp:spPr>
-      <dsp:style>
-        <a:lnRef idx="2">
-          <a:scrgbClr r="0" g="0" b="0"/>
-        </a:lnRef>
-        <a:fillRef idx="1">
-          <a:scrgbClr r="0" g="0" b="0"/>
-        </a:fillRef>
-        <a:effectRef idx="0">
-          <a:scrgbClr r="0" g="0" b="0"/>
-        </a:effectRef>
-        <a:fontRef idx="minor"/>
-      </dsp:style>
-      <dsp:txBody>
-        <a:bodyPr spcFirstLastPara="0" vert="horz" wrap="square" lIns="128016" tIns="128016" rIns="170688" bIns="192024" numCol="1" spcCol="1270" anchor="t" anchorCtr="0">
-          <a:noAutofit/>
-        </a:bodyPr>
-        <a:lstStyle/>
-        <a:p>
-          <a:pPr marL="228600" lvl="1" indent="-228600" algn="l" defTabSz="1066800">
-            <a:lnSpc>
-              <a:spcPct val="90000"/>
-            </a:lnSpc>
-            <a:spcBef>
-              <a:spcPct val="0"/>
-            </a:spcBef>
-            <a:spcAft>
-              <a:spcPct val="15000"/>
-            </a:spcAft>
-            <a:buChar char="••"/>
-          </a:pPr>
-          <a:r>
-            <a:rPr lang="es-ES" sz="2400" b="0" kern="1200" dirty="0" err="1" smtClean="0">
-              <a:latin typeface="HP Simplified Light" panose="020B0406020204020204" pitchFamily="34" charset="0"/>
-            </a:rPr>
-            <a:t>noTemporadas</a:t>
-          </a:r>
-          <a:endParaRPr lang="es-ES" sz="2400" b="1" kern="1200" dirty="0">
-            <a:latin typeface="HP Simplified Light" panose="020B0406020204020204" pitchFamily="34" charset="0"/>
-          </a:endParaRPr>
-        </a:p>
-        <a:p>
-          <a:pPr marL="228600" lvl="1" indent="-228600" algn="l" defTabSz="1066800">
-            <a:lnSpc>
-              <a:spcPct val="90000"/>
-            </a:lnSpc>
-            <a:spcBef>
-              <a:spcPct val="0"/>
-            </a:spcBef>
-            <a:spcAft>
-              <a:spcPct val="15000"/>
-            </a:spcAft>
-            <a:buChar char="••"/>
-          </a:pPr>
-          <a:r>
-            <a:rPr lang="es-ES" sz="2400" b="0" kern="1200">
-              <a:latin typeface="HP Simplified Light" panose="020B0406020204020204" pitchFamily="34" charset="0"/>
-            </a:rPr>
-            <a:t>noCapitulos</a:t>
-          </a:r>
-        </a:p>
-      </dsp:txBody>
-      <dsp:txXfrm>
-        <a:off x="3014141" y="981047"/>
-        <a:ext cx="2640132" cy="1449360"/>
-      </dsp:txXfrm>
-    </dsp:sp>
-    <dsp:sp modelId="{A1CAB5DF-0E99-4BEC-9C09-B1E3876F747D}">
-      <dsp:nvSpPr>
-        <dsp:cNvPr id="0" name=""/>
-        <dsp:cNvSpPr/>
-      </dsp:nvSpPr>
-      <dsp:spPr>
-        <a:xfrm>
-          <a:off x="6023891" y="30646"/>
-          <a:ext cx="2640132" cy="950400"/>
-        </a:xfrm>
-        <a:prstGeom prst="rect">
-          <a:avLst/>
-        </a:prstGeom>
-        <a:solidFill>
-          <a:schemeClr val="accent5">
-            <a:hueOff val="-4902230"/>
-            <a:satOff val="-6819"/>
-            <a:lumOff val="-2615"/>
-            <a:alphaOff val="0"/>
-          </a:schemeClr>
-        </a:solidFill>
-        <a:ln w="12700" cap="flat" cmpd="sng" algn="ctr">
-          <a:solidFill>
-            <a:schemeClr val="accent5">
-              <a:hueOff val="-4902230"/>
-              <a:satOff val="-6819"/>
-              <a:lumOff val="-2615"/>
-              <a:alphaOff val="0"/>
-            </a:schemeClr>
-          </a:solidFill>
-          <a:prstDash val="solid"/>
-          <a:miter lim="800000"/>
-        </a:ln>
-        <a:effectLst/>
-      </dsp:spPr>
-      <dsp:style>
-        <a:lnRef idx="2">
-          <a:scrgbClr r="0" g="0" b="0"/>
-        </a:lnRef>
-        <a:fillRef idx="1">
-          <a:scrgbClr r="0" g="0" b="0"/>
-        </a:fillRef>
-        <a:effectRef idx="0">
-          <a:scrgbClr r="0" g="0" b="0"/>
-        </a:effectRef>
-        <a:fontRef idx="minor">
-          <a:schemeClr val="lt1"/>
-        </a:fontRef>
-      </dsp:style>
-      <dsp:txBody>
-        <a:bodyPr spcFirstLastPara="0" vert="horz" wrap="square" lIns="170688" tIns="97536" rIns="170688" bIns="97536" numCol="1" spcCol="1270" anchor="ctr" anchorCtr="0">
-          <a:noAutofit/>
-        </a:bodyPr>
-        <a:lstStyle/>
-        <a:p>
-          <a:pPr lvl="0" algn="ctr" defTabSz="1066800">
-            <a:lnSpc>
-              <a:spcPct val="90000"/>
-            </a:lnSpc>
-            <a:spcBef>
-              <a:spcPct val="0"/>
-            </a:spcBef>
-            <a:spcAft>
-              <a:spcPct val="35000"/>
-            </a:spcAft>
-          </a:pPr>
-          <a:r>
-            <a:rPr lang="es-ES" sz="2400" kern="1200" dirty="0">
-              <a:latin typeface="HP Simplified Light" panose="020B0406020204020204" pitchFamily="34" charset="0"/>
-            </a:rPr>
-            <a:t>LIBRO</a:t>
-          </a:r>
-        </a:p>
-      </dsp:txBody>
-      <dsp:txXfrm>
-        <a:off x="6023891" y="30646"/>
-        <a:ext cx="2640132" cy="950400"/>
-      </dsp:txXfrm>
-    </dsp:sp>
-    <dsp:sp modelId="{3C7F2744-8691-409F-B0F3-D1808840ED64}">
-      <dsp:nvSpPr>
-        <dsp:cNvPr id="0" name=""/>
-        <dsp:cNvSpPr/>
-      </dsp:nvSpPr>
-      <dsp:spPr>
-        <a:xfrm>
-          <a:off x="6023891" y="981047"/>
-          <a:ext cx="2640132" cy="1449360"/>
-        </a:xfrm>
-        <a:prstGeom prst="rect">
-          <a:avLst/>
-        </a:prstGeom>
-        <a:solidFill>
-          <a:schemeClr val="accent5">
-            <a:tint val="40000"/>
-            <a:alpha val="90000"/>
-            <a:hueOff val="-4927837"/>
-            <a:satOff val="-8544"/>
-            <a:lumOff val="-859"/>
-            <a:alphaOff val="0"/>
-          </a:schemeClr>
-        </a:solidFill>
-        <a:ln w="12700" cap="flat" cmpd="sng" algn="ctr">
-          <a:solidFill>
-            <a:schemeClr val="accent5">
-              <a:tint val="40000"/>
-              <a:alpha val="90000"/>
-              <a:hueOff val="-4927837"/>
-              <a:satOff val="-8544"/>
-              <a:lumOff val="-859"/>
-              <a:alphaOff val="0"/>
-            </a:schemeClr>
-          </a:solidFill>
-          <a:prstDash val="solid"/>
-          <a:miter lim="800000"/>
-        </a:ln>
-        <a:effectLst/>
-      </dsp:spPr>
-      <dsp:style>
-        <a:lnRef idx="2">
-          <a:scrgbClr r="0" g="0" b="0"/>
-        </a:lnRef>
-        <a:fillRef idx="1">
-          <a:scrgbClr r="0" g="0" b="0"/>
-        </a:fillRef>
-        <a:effectRef idx="0">
-          <a:scrgbClr r="0" g="0" b="0"/>
-        </a:effectRef>
-        <a:fontRef idx="minor"/>
-      </dsp:style>
-      <dsp:txBody>
-        <a:bodyPr spcFirstLastPara="0" vert="horz" wrap="square" lIns="128016" tIns="128016" rIns="170688" bIns="192024" numCol="1" spcCol="1270" anchor="t" anchorCtr="0">
-          <a:noAutofit/>
-        </a:bodyPr>
-        <a:lstStyle/>
-        <a:p>
-          <a:pPr marL="228600" lvl="1" indent="-228600" algn="l" defTabSz="1066800">
-            <a:lnSpc>
-              <a:spcPct val="90000"/>
-            </a:lnSpc>
-            <a:spcBef>
-              <a:spcPct val="0"/>
-            </a:spcBef>
-            <a:spcAft>
-              <a:spcPct val="15000"/>
-            </a:spcAft>
-            <a:buChar char="••"/>
-          </a:pPr>
-          <a:r>
-            <a:rPr lang="es-ES" sz="2400" b="0" kern="1200" dirty="0" err="1" smtClean="0">
-              <a:latin typeface="HP Simplified Light" panose="020B0406020204020204" pitchFamily="34" charset="0"/>
-            </a:rPr>
-            <a:t>isbn</a:t>
-          </a:r>
-          <a:endParaRPr lang="es-ES" sz="2400" b="1" kern="1200" dirty="0">
-            <a:latin typeface="HP Simplified Light" panose="020B0406020204020204" pitchFamily="34" charset="0"/>
-          </a:endParaRPr>
-        </a:p>
-        <a:p>
-          <a:pPr marL="228600" lvl="1" indent="-228600" algn="l" defTabSz="1066800">
-            <a:lnSpc>
-              <a:spcPct val="90000"/>
-            </a:lnSpc>
-            <a:spcBef>
-              <a:spcPct val="0"/>
-            </a:spcBef>
-            <a:spcAft>
-              <a:spcPct val="15000"/>
-            </a:spcAft>
-            <a:buChar char="••"/>
-          </a:pPr>
-          <a:r>
-            <a:rPr lang="es-ES" sz="2400" b="0" kern="1200">
-              <a:latin typeface="HP Simplified Light" panose="020B0406020204020204" pitchFamily="34" charset="0"/>
-            </a:rPr>
-            <a:t>leido</a:t>
-          </a:r>
-        </a:p>
-        <a:p>
-          <a:pPr marL="228600" lvl="1" indent="-228600" algn="l" defTabSz="1066800">
-            <a:lnSpc>
-              <a:spcPct val="90000"/>
-            </a:lnSpc>
-            <a:spcBef>
-              <a:spcPct val="0"/>
-            </a:spcBef>
-            <a:spcAft>
-              <a:spcPct val="15000"/>
-            </a:spcAft>
-            <a:buChar char="••"/>
-          </a:pPr>
-          <a:r>
-            <a:rPr lang="es-ES" sz="2400" b="0" kern="1200">
-              <a:latin typeface="HP Simplified Light" panose="020B0406020204020204" pitchFamily="34" charset="0"/>
-            </a:rPr>
-            <a:t>tiempoLeido</a:t>
-          </a:r>
-        </a:p>
-      </dsp:txBody>
-      <dsp:txXfrm>
-        <a:off x="6023891" y="981047"/>
-        <a:ext cx="2640132" cy="1449360"/>
-      </dsp:txXfrm>
-    </dsp:sp>
-    <dsp:sp modelId="{CBA7C0C3-275F-4B0B-834D-2C7A0547E57D}">
-      <dsp:nvSpPr>
-        <dsp:cNvPr id="0" name=""/>
-        <dsp:cNvSpPr/>
-      </dsp:nvSpPr>
-      <dsp:spPr>
-        <a:xfrm>
-          <a:off x="9033642" y="30646"/>
-          <a:ext cx="2640132" cy="950400"/>
-        </a:xfrm>
-        <a:prstGeom prst="rect">
-          <a:avLst/>
-        </a:prstGeom>
-        <a:solidFill>
-          <a:schemeClr val="accent5">
-            <a:hueOff val="-7353344"/>
-            <a:satOff val="-10228"/>
-            <a:lumOff val="-3922"/>
-            <a:alphaOff val="0"/>
-          </a:schemeClr>
-        </a:solidFill>
-        <a:ln w="12700" cap="flat" cmpd="sng" algn="ctr">
-          <a:solidFill>
-            <a:schemeClr val="accent5">
-              <a:hueOff val="-7353344"/>
-              <a:satOff val="-10228"/>
-              <a:lumOff val="-3922"/>
-              <a:alphaOff val="0"/>
-            </a:schemeClr>
-          </a:solidFill>
-          <a:prstDash val="solid"/>
-          <a:miter lim="800000"/>
-        </a:ln>
-        <a:effectLst/>
-      </dsp:spPr>
-      <dsp:style>
-        <a:lnRef idx="2">
-          <a:scrgbClr r="0" g="0" b="0"/>
-        </a:lnRef>
-        <a:fillRef idx="1">
-          <a:scrgbClr r="0" g="0" b="0"/>
-        </a:fillRef>
-        <a:effectRef idx="0">
-          <a:scrgbClr r="0" g="0" b="0"/>
-        </a:effectRef>
-        <a:fontRef idx="minor">
-          <a:schemeClr val="lt1"/>
-        </a:fontRef>
-      </dsp:style>
-      <dsp:txBody>
-        <a:bodyPr spcFirstLastPara="0" vert="horz" wrap="square" lIns="170688" tIns="97536" rIns="170688" bIns="97536" numCol="1" spcCol="1270" anchor="ctr" anchorCtr="0">
-          <a:noAutofit/>
-        </a:bodyPr>
-        <a:lstStyle/>
-        <a:p>
-          <a:pPr lvl="0" algn="ctr" defTabSz="1066800">
-            <a:lnSpc>
-              <a:spcPct val="90000"/>
-            </a:lnSpc>
-            <a:spcBef>
-              <a:spcPct val="0"/>
-            </a:spcBef>
-            <a:spcAft>
-              <a:spcPct val="35000"/>
-            </a:spcAft>
-          </a:pPr>
-          <a:r>
-            <a:rPr lang="es-ES" sz="2400" kern="1200" dirty="0">
-              <a:latin typeface="HP Simplified Light" panose="020B0406020204020204" pitchFamily="34" charset="0"/>
-            </a:rPr>
-            <a:t>REVISTA</a:t>
-          </a:r>
-        </a:p>
-      </dsp:txBody>
-      <dsp:txXfrm>
-        <a:off x="9033642" y="30646"/>
-        <a:ext cx="2640132" cy="950400"/>
-      </dsp:txXfrm>
-    </dsp:sp>
-    <dsp:sp modelId="{97BA57E8-55DB-426E-B9DB-AA82422A1AC7}">
-      <dsp:nvSpPr>
-        <dsp:cNvPr id="0" name=""/>
-        <dsp:cNvSpPr/>
-      </dsp:nvSpPr>
-      <dsp:spPr>
-        <a:xfrm>
-          <a:off x="9033642" y="981047"/>
-          <a:ext cx="2640132" cy="1449360"/>
-        </a:xfrm>
-        <a:prstGeom prst="rect">
-          <a:avLst/>
-        </a:prstGeom>
-        <a:solidFill>
-          <a:schemeClr val="accent5">
-            <a:tint val="40000"/>
-            <a:alpha val="90000"/>
-            <a:hueOff val="-7391755"/>
-            <a:satOff val="-12816"/>
-            <a:lumOff val="-1289"/>
-            <a:alphaOff val="0"/>
-          </a:schemeClr>
-        </a:solidFill>
-        <a:ln w="12700" cap="flat" cmpd="sng" algn="ctr">
-          <a:solidFill>
-            <a:schemeClr val="accent5">
-              <a:tint val="40000"/>
-              <a:alpha val="90000"/>
-              <a:hueOff val="-7391755"/>
-              <a:satOff val="-12816"/>
-              <a:lumOff val="-1289"/>
-              <a:alphaOff val="0"/>
-            </a:schemeClr>
-          </a:solidFill>
-          <a:prstDash val="solid"/>
-          <a:miter lim="800000"/>
-        </a:ln>
-        <a:effectLst/>
-      </dsp:spPr>
-      <dsp:style>
-        <a:lnRef idx="2">
-          <a:scrgbClr r="0" g="0" b="0"/>
-        </a:lnRef>
-        <a:fillRef idx="1">
-          <a:scrgbClr r="0" g="0" b="0"/>
-        </a:fillRef>
-        <a:effectRef idx="0">
-          <a:scrgbClr r="0" g="0" b="0"/>
-        </a:effectRef>
-        <a:fontRef idx="minor"/>
-      </dsp:style>
-      <dsp:txBody>
-        <a:bodyPr spcFirstLastPara="0" vert="horz" wrap="square" lIns="128016" tIns="128016" rIns="170688" bIns="192024" numCol="1" spcCol="1270" anchor="t" anchorCtr="0">
-          <a:noAutofit/>
-        </a:bodyPr>
-        <a:lstStyle/>
-        <a:p>
-          <a:pPr marL="228600" lvl="1" indent="-228600" algn="l" defTabSz="1066800">
-            <a:lnSpc>
-              <a:spcPct val="90000"/>
-            </a:lnSpc>
-            <a:spcBef>
-              <a:spcPct val="0"/>
-            </a:spcBef>
-            <a:spcAft>
-              <a:spcPct val="15000"/>
-            </a:spcAft>
-            <a:buChar char="••"/>
-          </a:pPr>
-          <a:endParaRPr lang="es-ES" sz="2400" b="1" kern="1200" dirty="0">
-            <a:latin typeface="HP Simplified Light" panose="020B0406020204020204" pitchFamily="34" charset="0"/>
-          </a:endParaRPr>
-        </a:p>
-      </dsp:txBody>
-      <dsp:txXfrm>
-        <a:off x="9033642" y="981047"/>
-        <a:ext cx="2640132" cy="1449360"/>
-      </dsp:txXfrm>
-    </dsp:sp>
   </dsp:spTree>
 </dsp:drawing>
 </file>
@@ -18079,544 +14933,6 @@
       <dsp:cNvGrpSpPr/>
     </dsp:nvGrpSpPr>
     <dsp:grpSpPr/>
-    <dsp:sp modelId="{7AB965C8-37D9-4082-8C07-255381E88FC0}">
-      <dsp:nvSpPr>
-        <dsp:cNvPr id="0" name=""/>
-        <dsp:cNvSpPr/>
-      </dsp:nvSpPr>
-      <dsp:spPr>
-        <a:xfrm>
-          <a:off x="34" y="21113"/>
-          <a:ext cx="3338408" cy="720000"/>
-        </a:xfrm>
-        <a:prstGeom prst="rect">
-          <a:avLst/>
-        </a:prstGeom>
-        <a:solidFill>
-          <a:schemeClr val="tx1">
-            <a:lumMod val="75000"/>
-            <a:lumOff val="25000"/>
-          </a:schemeClr>
-        </a:solidFill>
-        <a:ln w="12700" cap="flat" cmpd="sng" algn="ctr">
-          <a:noFill/>
-          <a:prstDash val="solid"/>
-          <a:miter lim="800000"/>
-        </a:ln>
-        <a:effectLst/>
-      </dsp:spPr>
-      <dsp:style>
-        <a:lnRef idx="2">
-          <a:scrgbClr r="0" g="0" b="0"/>
-        </a:lnRef>
-        <a:fillRef idx="1">
-          <a:scrgbClr r="0" g="0" b="0"/>
-        </a:fillRef>
-        <a:effectRef idx="0">
-          <a:scrgbClr r="0" g="0" b="0"/>
-        </a:effectRef>
-        <a:fontRef idx="minor">
-          <a:schemeClr val="lt1"/>
-        </a:fontRef>
-      </dsp:style>
-      <dsp:txBody>
-        <a:bodyPr spcFirstLastPara="0" vert="horz" wrap="square" lIns="142240" tIns="81280" rIns="142240" bIns="81280" numCol="1" spcCol="1270" anchor="ctr" anchorCtr="0">
-          <a:noAutofit/>
-        </a:bodyPr>
-        <a:lstStyle/>
-        <a:p>
-          <a:pPr lvl="0" algn="ctr" defTabSz="889000">
-            <a:lnSpc>
-              <a:spcPct val="90000"/>
-            </a:lnSpc>
-            <a:spcBef>
-              <a:spcPct val="0"/>
-            </a:spcBef>
-            <a:spcAft>
-              <a:spcPct val="35000"/>
-            </a:spcAft>
-          </a:pPr>
-          <a:r>
-            <a:rPr lang="es-ES" sz="2000" kern="1200" dirty="0" smtClean="0">
-              <a:latin typeface="HP Simplified Light" panose="020B0406020204020204" pitchFamily="34" charset="0"/>
-            </a:rPr>
-            <a:t>FILME</a:t>
-          </a:r>
-          <a:endParaRPr lang="es-ES" sz="2000" kern="1200" dirty="0">
-            <a:latin typeface="HP Simplified Light" panose="020B0406020204020204" pitchFamily="34" charset="0"/>
-          </a:endParaRPr>
-        </a:p>
-      </dsp:txBody>
-      <dsp:txXfrm>
-        <a:off x="34" y="21113"/>
-        <a:ext cx="3338408" cy="720000"/>
-      </dsp:txXfrm>
-    </dsp:sp>
-    <dsp:sp modelId="{B9BC7F27-FE5B-4F6E-B226-283CCA6322E5}">
-      <dsp:nvSpPr>
-        <dsp:cNvPr id="0" name=""/>
-        <dsp:cNvSpPr/>
-      </dsp:nvSpPr>
-      <dsp:spPr>
-        <a:xfrm>
-          <a:off x="34" y="741113"/>
-          <a:ext cx="3338408" cy="2401875"/>
-        </a:xfrm>
-        <a:prstGeom prst="rect">
-          <a:avLst/>
-        </a:prstGeom>
-        <a:solidFill>
-          <a:schemeClr val="bg1">
-            <a:lumMod val="75000"/>
-            <a:alpha val="90000"/>
-          </a:schemeClr>
-        </a:solidFill>
-        <a:ln w="12700" cap="flat" cmpd="sng" algn="ctr">
-          <a:solidFill>
-            <a:schemeClr val="accent5">
-              <a:tint val="40000"/>
-              <a:alpha val="90000"/>
-              <a:hueOff val="0"/>
-              <a:satOff val="0"/>
-              <a:lumOff val="0"/>
-              <a:alphaOff val="0"/>
-            </a:schemeClr>
-          </a:solidFill>
-          <a:prstDash val="solid"/>
-          <a:miter lim="800000"/>
-        </a:ln>
-        <a:effectLst/>
-      </dsp:spPr>
-      <dsp:style>
-        <a:lnRef idx="2">
-          <a:scrgbClr r="0" g="0" b="0"/>
-        </a:lnRef>
-        <a:fillRef idx="1">
-          <a:scrgbClr r="0" g="0" b="0"/>
-        </a:fillRef>
-        <a:effectRef idx="0">
-          <a:scrgbClr r="0" g="0" b="0"/>
-        </a:effectRef>
-        <a:fontRef idx="minor"/>
-      </dsp:style>
-      <dsp:txBody>
-        <a:bodyPr spcFirstLastPara="0" vert="horz" wrap="square" lIns="106680" tIns="106680" rIns="142240" bIns="160020" numCol="1" spcCol="1270" anchor="t" anchorCtr="0">
-          <a:noAutofit/>
-        </a:bodyPr>
-        <a:lstStyle/>
-        <a:p>
-          <a:pPr marL="228600" lvl="1" indent="-228600" algn="l" defTabSz="889000">
-            <a:lnSpc>
-              <a:spcPct val="90000"/>
-            </a:lnSpc>
-            <a:spcBef>
-              <a:spcPct val="0"/>
-            </a:spcBef>
-            <a:spcAft>
-              <a:spcPct val="15000"/>
-            </a:spcAft>
-            <a:buChar char="••"/>
-          </a:pPr>
-          <a:r>
-            <a:rPr lang="es-ES" sz="2000" b="1" i="0" kern="1200" dirty="0" smtClean="0">
-              <a:latin typeface="HP Simplified Light" panose="020B0406020204020204" pitchFamily="34" charset="0"/>
-            </a:rPr>
-            <a:t>id</a:t>
-          </a:r>
-          <a:endParaRPr lang="es-ES" sz="2000" b="1" i="0" kern="1200" dirty="0">
-            <a:latin typeface="HP Simplified Light" panose="020B0406020204020204" pitchFamily="34" charset="0"/>
-          </a:endParaRPr>
-        </a:p>
-        <a:p>
-          <a:pPr marL="228600" lvl="1" indent="-228600" algn="l" defTabSz="889000">
-            <a:lnSpc>
-              <a:spcPct val="90000"/>
-            </a:lnSpc>
-            <a:spcBef>
-              <a:spcPct val="0"/>
-            </a:spcBef>
-            <a:spcAft>
-              <a:spcPct val="15000"/>
-            </a:spcAft>
-            <a:buChar char="••"/>
-          </a:pPr>
-          <a:r>
-            <a:rPr lang="es-ES" sz="2000" b="1" i="0" kern="1200" dirty="0" smtClean="0">
-              <a:latin typeface="HP Simplified Light" panose="020B0406020204020204" pitchFamily="34" charset="0"/>
-            </a:rPr>
-            <a:t>titulo</a:t>
-          </a:r>
-          <a:endParaRPr lang="es-ES" sz="2000" b="1" i="0" kern="1200" dirty="0">
-            <a:latin typeface="HP Simplified Light" panose="020B0406020204020204" pitchFamily="34" charset="0"/>
-          </a:endParaRPr>
-        </a:p>
-        <a:p>
-          <a:pPr marL="228600" lvl="1" indent="-228600" algn="l" defTabSz="889000">
-            <a:lnSpc>
-              <a:spcPct val="90000"/>
-            </a:lnSpc>
-            <a:spcBef>
-              <a:spcPct val="0"/>
-            </a:spcBef>
-            <a:spcAft>
-              <a:spcPct val="15000"/>
-            </a:spcAft>
-            <a:buChar char="••"/>
-          </a:pPr>
-          <a:r>
-            <a:rPr lang="es-ES" sz="2000" b="1" i="0" kern="1200" dirty="0" smtClean="0">
-              <a:latin typeface="HP Simplified Light" panose="020B0406020204020204" pitchFamily="34" charset="0"/>
-            </a:rPr>
-            <a:t>genero</a:t>
-          </a:r>
-          <a:endParaRPr lang="es-ES" sz="2000" b="1" i="0" kern="1200" dirty="0">
-            <a:latin typeface="HP Simplified Light" panose="020B0406020204020204" pitchFamily="34" charset="0"/>
-          </a:endParaRPr>
-        </a:p>
-        <a:p>
-          <a:pPr marL="228600" lvl="1" indent="-228600" algn="l" defTabSz="889000">
-            <a:lnSpc>
-              <a:spcPct val="90000"/>
-            </a:lnSpc>
-            <a:spcBef>
-              <a:spcPct val="0"/>
-            </a:spcBef>
-            <a:spcAft>
-              <a:spcPct val="15000"/>
-            </a:spcAft>
-            <a:buChar char="••"/>
-          </a:pPr>
-          <a:r>
-            <a:rPr lang="es-ES" sz="2000" b="1" i="0" kern="1200" dirty="0" smtClean="0">
-              <a:latin typeface="HP Simplified Light" panose="020B0406020204020204" pitchFamily="34" charset="0"/>
-            </a:rPr>
-            <a:t>autor</a:t>
-          </a:r>
-          <a:endParaRPr lang="es-ES" sz="2000" b="1" i="0" kern="1200" dirty="0">
-            <a:latin typeface="HP Simplified Light" panose="020B0406020204020204" pitchFamily="34" charset="0"/>
-          </a:endParaRPr>
-        </a:p>
-        <a:p>
-          <a:pPr marL="228600" lvl="1" indent="-228600" algn="l" defTabSz="889000">
-            <a:lnSpc>
-              <a:spcPct val="90000"/>
-            </a:lnSpc>
-            <a:spcBef>
-              <a:spcPct val="0"/>
-            </a:spcBef>
-            <a:spcAft>
-              <a:spcPct val="15000"/>
-            </a:spcAft>
-            <a:buChar char="••"/>
-          </a:pPr>
-          <a:r>
-            <a:rPr lang="es-ES" sz="2000" b="1" i="0" kern="1200" dirty="0" err="1" smtClean="0">
-              <a:latin typeface="HP Simplified Light" panose="020B0406020204020204" pitchFamily="34" charset="0"/>
-            </a:rPr>
-            <a:t>duracion</a:t>
-          </a:r>
-          <a:endParaRPr lang="es-ES" sz="2000" b="1" i="0" kern="1200" dirty="0">
-            <a:latin typeface="HP Simplified Light" panose="020B0406020204020204" pitchFamily="34" charset="0"/>
-          </a:endParaRPr>
-        </a:p>
-        <a:p>
-          <a:pPr marL="228600" lvl="1" indent="-228600" algn="l" defTabSz="889000">
-            <a:lnSpc>
-              <a:spcPct val="90000"/>
-            </a:lnSpc>
-            <a:spcBef>
-              <a:spcPct val="0"/>
-            </a:spcBef>
-            <a:spcAft>
-              <a:spcPct val="15000"/>
-            </a:spcAft>
-            <a:buChar char="••"/>
-          </a:pPr>
-          <a:r>
-            <a:rPr lang="es-ES" sz="2000" b="1" i="0" kern="1200" dirty="0" smtClean="0">
-              <a:latin typeface="HP Simplified Light" panose="020B0406020204020204" pitchFamily="34" charset="0"/>
-            </a:rPr>
-            <a:t>año</a:t>
-          </a:r>
-          <a:endParaRPr lang="es-ES" sz="2000" b="1" i="0" kern="1200" dirty="0">
-            <a:latin typeface="HP Simplified Light" panose="020B0406020204020204" pitchFamily="34" charset="0"/>
-          </a:endParaRPr>
-        </a:p>
-        <a:p>
-          <a:pPr marL="228600" lvl="1" indent="-228600" algn="l" defTabSz="889000">
-            <a:lnSpc>
-              <a:spcPct val="90000"/>
-            </a:lnSpc>
-            <a:spcBef>
-              <a:spcPct val="0"/>
-            </a:spcBef>
-            <a:spcAft>
-              <a:spcPct val="15000"/>
-            </a:spcAft>
-            <a:buChar char="••"/>
-          </a:pPr>
-          <a:r>
-            <a:rPr lang="es-ES" sz="2000" b="1" i="0" kern="1200" dirty="0" smtClean="0">
-              <a:latin typeface="HP Simplified Light" panose="020B0406020204020204" pitchFamily="34" charset="0"/>
-            </a:rPr>
-            <a:t>visto</a:t>
-          </a:r>
-          <a:endParaRPr lang="es-ES" sz="2000" b="1" i="0" kern="1200" dirty="0">
-            <a:latin typeface="HP Simplified Light" panose="020B0406020204020204" pitchFamily="34" charset="0"/>
-          </a:endParaRPr>
-        </a:p>
-      </dsp:txBody>
-      <dsp:txXfrm>
-        <a:off x="34" y="741113"/>
-        <a:ext cx="3338408" cy="2401875"/>
-      </dsp:txXfrm>
-    </dsp:sp>
-    <dsp:sp modelId="{60381480-67E4-4492-B04B-F33C234C9C0E}">
-      <dsp:nvSpPr>
-        <dsp:cNvPr id="0" name=""/>
-        <dsp:cNvSpPr/>
-      </dsp:nvSpPr>
-      <dsp:spPr>
-        <a:xfrm>
-          <a:off x="3805821" y="21113"/>
-          <a:ext cx="3338408" cy="720000"/>
-        </a:xfrm>
-        <a:prstGeom prst="rect">
-          <a:avLst/>
-        </a:prstGeom>
-        <a:solidFill>
-          <a:schemeClr val="tx1">
-            <a:lumMod val="75000"/>
-            <a:lumOff val="25000"/>
-          </a:schemeClr>
-        </a:solidFill>
-        <a:ln w="12700" cap="flat" cmpd="sng" algn="ctr">
-          <a:noFill/>
-          <a:prstDash val="solid"/>
-          <a:miter lim="800000"/>
-        </a:ln>
-        <a:effectLst/>
-      </dsp:spPr>
-      <dsp:style>
-        <a:lnRef idx="2">
-          <a:scrgbClr r="0" g="0" b="0"/>
-        </a:lnRef>
-        <a:fillRef idx="1">
-          <a:scrgbClr r="0" g="0" b="0"/>
-        </a:fillRef>
-        <a:effectRef idx="0">
-          <a:scrgbClr r="0" g="0" b="0"/>
-        </a:effectRef>
-        <a:fontRef idx="minor">
-          <a:schemeClr val="lt1"/>
-        </a:fontRef>
-      </dsp:style>
-      <dsp:txBody>
-        <a:bodyPr spcFirstLastPara="0" vert="horz" wrap="square" lIns="142240" tIns="81280" rIns="142240" bIns="81280" numCol="1" spcCol="1270" anchor="ctr" anchorCtr="0">
-          <a:noAutofit/>
-        </a:bodyPr>
-        <a:lstStyle/>
-        <a:p>
-          <a:pPr lvl="0" algn="ctr" defTabSz="889000">
-            <a:lnSpc>
-              <a:spcPct val="90000"/>
-            </a:lnSpc>
-            <a:spcBef>
-              <a:spcPct val="0"/>
-            </a:spcBef>
-            <a:spcAft>
-              <a:spcPct val="35000"/>
-            </a:spcAft>
-          </a:pPr>
-          <a:r>
-            <a:rPr lang="es-ES" sz="2000" kern="1200" dirty="0" smtClean="0">
-              <a:latin typeface="HP Simplified Light" panose="020B0406020204020204" pitchFamily="34" charset="0"/>
-            </a:rPr>
-            <a:t>PUBLICACIÓN</a:t>
-          </a:r>
-          <a:endParaRPr lang="es-ES" sz="2000" kern="1200" dirty="0">
-            <a:latin typeface="HP Simplified Light" panose="020B0406020204020204" pitchFamily="34" charset="0"/>
-          </a:endParaRPr>
-        </a:p>
-      </dsp:txBody>
-      <dsp:txXfrm>
-        <a:off x="3805821" y="21113"/>
-        <a:ext cx="3338408" cy="720000"/>
-      </dsp:txXfrm>
-    </dsp:sp>
-    <dsp:sp modelId="{3013E8AE-F76C-4B8A-BDC0-EB486C4562D8}">
-      <dsp:nvSpPr>
-        <dsp:cNvPr id="0" name=""/>
-        <dsp:cNvSpPr/>
-      </dsp:nvSpPr>
-      <dsp:spPr>
-        <a:xfrm>
-          <a:off x="3805821" y="741113"/>
-          <a:ext cx="3338408" cy="2401875"/>
-        </a:xfrm>
-        <a:prstGeom prst="rect">
-          <a:avLst/>
-        </a:prstGeom>
-        <a:solidFill>
-          <a:schemeClr val="bg1">
-            <a:lumMod val="75000"/>
-            <a:alpha val="90000"/>
-          </a:schemeClr>
-        </a:solidFill>
-        <a:ln w="12700" cap="flat" cmpd="sng" algn="ctr">
-          <a:solidFill>
-            <a:schemeClr val="accent5">
-              <a:tint val="40000"/>
-              <a:alpha val="90000"/>
-              <a:hueOff val="-7391755"/>
-              <a:satOff val="-12816"/>
-              <a:lumOff val="-1289"/>
-              <a:alphaOff val="0"/>
-            </a:schemeClr>
-          </a:solidFill>
-          <a:prstDash val="solid"/>
-          <a:miter lim="800000"/>
-        </a:ln>
-        <a:effectLst/>
-      </dsp:spPr>
-      <dsp:style>
-        <a:lnRef idx="2">
-          <a:scrgbClr r="0" g="0" b="0"/>
-        </a:lnRef>
-        <a:fillRef idx="1">
-          <a:scrgbClr r="0" g="0" b="0"/>
-        </a:fillRef>
-        <a:effectRef idx="0">
-          <a:scrgbClr r="0" g="0" b="0"/>
-        </a:effectRef>
-        <a:fontRef idx="minor"/>
-      </dsp:style>
-      <dsp:txBody>
-        <a:bodyPr spcFirstLastPara="0" vert="horz" wrap="square" lIns="106680" tIns="106680" rIns="142240" bIns="160020" numCol="1" spcCol="1270" anchor="t" anchorCtr="0">
-          <a:noAutofit/>
-        </a:bodyPr>
-        <a:lstStyle/>
-        <a:p>
-          <a:pPr marL="228600" lvl="1" indent="-228600" algn="l" defTabSz="889000">
-            <a:lnSpc>
-              <a:spcPct val="90000"/>
-            </a:lnSpc>
-            <a:spcBef>
-              <a:spcPct val="0"/>
-            </a:spcBef>
-            <a:spcAft>
-              <a:spcPct val="15000"/>
-            </a:spcAft>
-            <a:buChar char="••"/>
-          </a:pPr>
-          <a:r>
-            <a:rPr lang="es-ES" sz="2000" b="1" kern="1200" dirty="0" smtClean="0">
-              <a:latin typeface="HP Simplified Light" panose="020B0406020204020204" pitchFamily="34" charset="0"/>
-            </a:rPr>
-            <a:t>id</a:t>
-          </a:r>
-          <a:endParaRPr lang="es-ES" sz="2000" b="1" kern="1200" dirty="0">
-            <a:latin typeface="HP Simplified Light" panose="020B0406020204020204" pitchFamily="34" charset="0"/>
-          </a:endParaRPr>
-        </a:p>
-        <a:p>
-          <a:pPr marL="228600" lvl="1" indent="-228600" algn="l" defTabSz="889000">
-            <a:lnSpc>
-              <a:spcPct val="90000"/>
-            </a:lnSpc>
-            <a:spcBef>
-              <a:spcPct val="0"/>
-            </a:spcBef>
-            <a:spcAft>
-              <a:spcPct val="15000"/>
-            </a:spcAft>
-            <a:buChar char="••"/>
-          </a:pPr>
-          <a:r>
-            <a:rPr lang="es-ES" sz="2000" b="1" kern="1200" dirty="0" smtClean="0">
-              <a:latin typeface="HP Simplified Light" panose="020B0406020204020204" pitchFamily="34" charset="0"/>
-            </a:rPr>
-            <a:t>titulo</a:t>
-          </a:r>
-          <a:endParaRPr lang="es-ES" sz="2000" b="1" kern="1200" dirty="0">
-            <a:latin typeface="HP Simplified Light" panose="020B0406020204020204" pitchFamily="34" charset="0"/>
-          </a:endParaRPr>
-        </a:p>
-        <a:p>
-          <a:pPr marL="228600" lvl="1" indent="-228600" algn="l" defTabSz="889000">
-            <a:lnSpc>
-              <a:spcPct val="90000"/>
-            </a:lnSpc>
-            <a:spcBef>
-              <a:spcPct val="0"/>
-            </a:spcBef>
-            <a:spcAft>
-              <a:spcPct val="15000"/>
-            </a:spcAft>
-            <a:buChar char="••"/>
-          </a:pPr>
-          <a:r>
-            <a:rPr lang="es-ES" sz="2000" b="1" kern="1200" dirty="0" smtClean="0">
-              <a:latin typeface="HP Simplified Light" panose="020B0406020204020204" pitchFamily="34" charset="0"/>
-            </a:rPr>
-            <a:t>autores</a:t>
-          </a:r>
-          <a:endParaRPr lang="es-ES" sz="2000" b="1" kern="1200" dirty="0">
-            <a:latin typeface="HP Simplified Light" panose="020B0406020204020204" pitchFamily="34" charset="0"/>
-          </a:endParaRPr>
-        </a:p>
-        <a:p>
-          <a:pPr marL="228600" lvl="1" indent="-228600" algn="l" defTabSz="889000">
-            <a:lnSpc>
-              <a:spcPct val="90000"/>
-            </a:lnSpc>
-            <a:spcBef>
-              <a:spcPct val="0"/>
-            </a:spcBef>
-            <a:spcAft>
-              <a:spcPct val="15000"/>
-            </a:spcAft>
-            <a:buChar char="••"/>
-          </a:pPr>
-          <a:r>
-            <a:rPr lang="es-ES" sz="2000" b="1" kern="1200" dirty="0" smtClean="0">
-              <a:latin typeface="HP Simplified Light" panose="020B0406020204020204" pitchFamily="34" charset="0"/>
-            </a:rPr>
-            <a:t>editorial</a:t>
-          </a:r>
-          <a:endParaRPr lang="es-ES" sz="2000" b="1" kern="1200" dirty="0">
-            <a:latin typeface="HP Simplified Light" panose="020B0406020204020204" pitchFamily="34" charset="0"/>
-          </a:endParaRPr>
-        </a:p>
-        <a:p>
-          <a:pPr marL="228600" lvl="1" indent="-228600" algn="l" defTabSz="889000">
-            <a:lnSpc>
-              <a:spcPct val="90000"/>
-            </a:lnSpc>
-            <a:spcBef>
-              <a:spcPct val="0"/>
-            </a:spcBef>
-            <a:spcAft>
-              <a:spcPct val="15000"/>
-            </a:spcAft>
-            <a:buChar char="••"/>
-          </a:pPr>
-          <a:r>
-            <a:rPr lang="es-ES" sz="2000" b="1" kern="1200" dirty="0" err="1" smtClean="0">
-              <a:latin typeface="HP Simplified Light" panose="020B0406020204020204" pitchFamily="34" charset="0"/>
-            </a:rPr>
-            <a:t>añoEdicion</a:t>
-          </a:r>
-          <a:endParaRPr lang="es-ES" sz="2000" b="1" kern="1200" dirty="0">
-            <a:latin typeface="HP Simplified Light" panose="020B0406020204020204" pitchFamily="34" charset="0"/>
-          </a:endParaRPr>
-        </a:p>
-      </dsp:txBody>
-      <dsp:txXfrm>
-        <a:off x="3805821" y="741113"/>
-        <a:ext cx="3338408" cy="2401875"/>
-      </dsp:txXfrm>
-    </dsp:sp>
   </dsp:spTree>
 </dsp:drawing>
 </file>
@@ -30002,7 +26318,7 @@
           <a:p>
             <a:fld id="{EEFA2932-2D0D-4A88-8A26-2C76D0957E75}" type="datetimeFigureOut">
               <a:rPr lang="es-MX" smtClean="0"/>
-              <a:t>29/10/2020</a:t>
+              <a:t>03/11/2020</a:t>
             </a:fld>
             <a:endParaRPr lang="es-MX"/>
           </a:p>
@@ -30172,7 +26488,7 @@
           <a:p>
             <a:fld id="{EEFA2932-2D0D-4A88-8A26-2C76D0957E75}" type="datetimeFigureOut">
               <a:rPr lang="es-MX" smtClean="0"/>
-              <a:t>29/10/2020</a:t>
+              <a:t>03/11/2020</a:t>
             </a:fld>
             <a:endParaRPr lang="es-MX"/>
           </a:p>
@@ -30352,7 +26668,7 @@
           <a:p>
             <a:fld id="{EEFA2932-2D0D-4A88-8A26-2C76D0957E75}" type="datetimeFigureOut">
               <a:rPr lang="es-MX" smtClean="0"/>
-              <a:t>29/10/2020</a:t>
+              <a:t>03/11/2020</a:t>
             </a:fld>
             <a:endParaRPr lang="es-MX"/>
           </a:p>
@@ -30522,7 +26838,7 @@
           <a:p>
             <a:fld id="{EEFA2932-2D0D-4A88-8A26-2C76D0957E75}" type="datetimeFigureOut">
               <a:rPr lang="es-MX" smtClean="0"/>
-              <a:t>29/10/2020</a:t>
+              <a:t>03/11/2020</a:t>
             </a:fld>
             <a:endParaRPr lang="es-MX"/>
           </a:p>
@@ -30768,7 +27084,7 @@
           <a:p>
             <a:fld id="{EEFA2932-2D0D-4A88-8A26-2C76D0957E75}" type="datetimeFigureOut">
               <a:rPr lang="es-MX" smtClean="0"/>
-              <a:t>29/10/2020</a:t>
+              <a:t>03/11/2020</a:t>
             </a:fld>
             <a:endParaRPr lang="es-MX"/>
           </a:p>
@@ -31000,7 +27316,7 @@
           <a:p>
             <a:fld id="{EEFA2932-2D0D-4A88-8A26-2C76D0957E75}" type="datetimeFigureOut">
               <a:rPr lang="es-MX" smtClean="0"/>
-              <a:t>29/10/2020</a:t>
+              <a:t>03/11/2020</a:t>
             </a:fld>
             <a:endParaRPr lang="es-MX"/>
           </a:p>
@@ -31367,7 +27683,7 @@
           <a:p>
             <a:fld id="{EEFA2932-2D0D-4A88-8A26-2C76D0957E75}" type="datetimeFigureOut">
               <a:rPr lang="es-MX" smtClean="0"/>
-              <a:t>29/10/2020</a:t>
+              <a:t>03/11/2020</a:t>
             </a:fld>
             <a:endParaRPr lang="es-MX"/>
           </a:p>
@@ -31485,7 +27801,7 @@
           <a:p>
             <a:fld id="{EEFA2932-2D0D-4A88-8A26-2C76D0957E75}" type="datetimeFigureOut">
               <a:rPr lang="es-MX" smtClean="0"/>
-              <a:t>29/10/2020</a:t>
+              <a:t>03/11/2020</a:t>
             </a:fld>
             <a:endParaRPr lang="es-MX"/>
           </a:p>
@@ -31580,7 +27896,7 @@
           <a:p>
             <a:fld id="{EEFA2932-2D0D-4A88-8A26-2C76D0957E75}" type="datetimeFigureOut">
               <a:rPr lang="es-MX" smtClean="0"/>
-              <a:t>29/10/2020</a:t>
+              <a:t>03/11/2020</a:t>
             </a:fld>
             <a:endParaRPr lang="es-MX"/>
           </a:p>
@@ -31857,7 +28173,7 @@
           <a:p>
             <a:fld id="{EEFA2932-2D0D-4A88-8A26-2C76D0957E75}" type="datetimeFigureOut">
               <a:rPr lang="es-MX" smtClean="0"/>
-              <a:t>29/10/2020</a:t>
+              <a:t>03/11/2020</a:t>
             </a:fld>
             <a:endParaRPr lang="es-MX"/>
           </a:p>
@@ -32110,7 +28426,7 @@
           <a:p>
             <a:fld id="{EEFA2932-2D0D-4A88-8A26-2C76D0957E75}" type="datetimeFigureOut">
               <a:rPr lang="es-MX" smtClean="0"/>
-              <a:t>29/10/2020</a:t>
+              <a:t>03/11/2020</a:t>
             </a:fld>
             <a:endParaRPr lang="es-MX"/>
           </a:p>
@@ -32178,7 +28494,6 @@
       <p:bgPr>
         <a:blipFill dpi="0" rotWithShape="1">
           <a:blip r:embed="rId13">
-            <a:alphaModFix amt="20000"/>
             <a:lum/>
           </a:blip>
           <a:srcRect/>
@@ -32333,7 +28648,7 @@
           <a:p>
             <a:fld id="{EEFA2932-2D0D-4A88-8A26-2C76D0957E75}" type="datetimeFigureOut">
               <a:rPr lang="es-MX" smtClean="0"/>
-              <a:t>29/10/2020</a:t>
+              <a:t>03/11/2020</a:t>
             </a:fld>
             <a:endParaRPr lang="es-MX"/>
           </a:p>
@@ -34266,9 +30581,6 @@
               </a:rPr>
               <a:t>SOLUCIÓN</a:t>
             </a:r>
-            <a:endParaRPr lang="es-MX" sz="16600" b="1" dirty="0" smtClean="0">
-              <a:latin typeface="Bahnschrift SemiBold Condensed" panose="020B0502040204020203" pitchFamily="34" charset="0"/>
-            </a:endParaRPr>
           </a:p>
         </p:txBody>
       </p:sp>
